--- a/ppt/Pneumonia_detection.pptx
+++ b/ppt/Pneumonia_detection.pptx
@@ -5,10 +5,10 @@
     <p:sldMasterId id="2147483648" r:id="rId4"/>
   </p:sldMasterIdLst>
   <p:notesMasterIdLst>
-    <p:notesMasterId r:id="rId15"/>
+    <p:notesMasterId r:id="rId16"/>
   </p:notesMasterIdLst>
   <p:handoutMasterIdLst>
-    <p:handoutMasterId r:id="rId16"/>
+    <p:handoutMasterId r:id="rId17"/>
   </p:handoutMasterIdLst>
   <p:sldIdLst>
     <p:sldId id="256" r:id="rId5"/>
@@ -17,10 +17,11 @@
     <p:sldId id="260" r:id="rId8"/>
     <p:sldId id="282" r:id="rId9"/>
     <p:sldId id="284" r:id="rId10"/>
-    <p:sldId id="285" r:id="rId11"/>
-    <p:sldId id="265" r:id="rId12"/>
-    <p:sldId id="287" r:id="rId13"/>
-    <p:sldId id="280" r:id="rId14"/>
+    <p:sldId id="289" r:id="rId11"/>
+    <p:sldId id="285" r:id="rId12"/>
+    <p:sldId id="265" r:id="rId13"/>
+    <p:sldId id="287" r:id="rId14"/>
+    <p:sldId id="280" r:id="rId15"/>
   </p:sldIdLst>
   <p:sldSz cx="12192000" cy="6858000"/>
   <p:notesSz cx="6858000" cy="9144000"/>
@@ -224,7 +225,7 @@
           <a:p>
             <a:fld id="{EF1077DB-935E-4A0A-947A-D283B9F9F452}" type="datetimeFigureOut">
               <a:rPr lang="en-US" smtClean="0"/>
-              <a:t>6/26/2020</a:t>
+              <a:t>6/29/2020</a:t>
             </a:fld>
             <a:endParaRPr lang="en-US" dirty="0"/>
           </a:p>
@@ -401,7 +402,7 @@
           <a:p>
             <a:fld id="{19EDBDA2-4480-4D82-8886-1B64A7ECBBAC}" type="datetimeFigureOut">
               <a:rPr lang="en-US" noProof="0" smtClean="0"/>
-              <a:t>6/26/2020</a:t>
+              <a:t>6/29/2020</a:t>
             </a:fld>
             <a:endParaRPr lang="en-US" noProof="0" dirty="0"/>
           </a:p>
@@ -1069,7 +1070,7 @@
           <a:p>
             <a:fld id="{EFDDBACE-0F8F-43FD-98F0-DEE13552DADA}" type="slidenum">
               <a:rPr lang="en-US" noProof="0" smtClean="0"/>
-              <a:t>7</a:t>
+              <a:t>8</a:t>
             </a:fld>
             <a:endParaRPr lang="en-US" noProof="0" dirty="0"/>
           </a:p>
@@ -1153,7 +1154,7 @@
           <a:p>
             <a:fld id="{EFDDBACE-0F8F-43FD-98F0-DEE13552DADA}" type="slidenum">
               <a:rPr lang="en-US" noProof="0" smtClean="0"/>
-              <a:t>8</a:t>
+              <a:t>9</a:t>
             </a:fld>
             <a:endParaRPr lang="en-US" noProof="0" dirty="0"/>
           </a:p>
@@ -1237,7 +1238,7 @@
           <a:p>
             <a:fld id="{EFDDBACE-0F8F-43FD-98F0-DEE13552DADA}" type="slidenum">
               <a:rPr lang="en-US" noProof="0" smtClean="0"/>
-              <a:t>9</a:t>
+              <a:t>10</a:t>
             </a:fld>
             <a:endParaRPr lang="en-US" noProof="0" dirty="0"/>
           </a:p>
@@ -1321,7 +1322,7 @@
           <a:p>
             <a:fld id="{EFDDBACE-0F8F-43FD-98F0-DEE13552DADA}" type="slidenum">
               <a:rPr lang="en-US" smtClean="0"/>
-              <a:t>10</a:t>
+              <a:t>11</a:t>
             </a:fld>
             <a:endParaRPr lang="en-US"/>
           </a:p>
@@ -19561,6 +19562,36 @@
           </a:p>
         </p:txBody>
       </p:sp>
+      <p:pic>
+        <p:nvPicPr>
+          <p:cNvPr id="5" name="Picture 4" descr="A picture containing film, close, standing, laying&#10;&#10;Description automatically generated">
+            <a:extLst>
+              <a:ext uri="{FF2B5EF4-FFF2-40B4-BE49-F238E27FC236}">
+                <a16:creationId xmlns:a16="http://schemas.microsoft.com/office/drawing/2014/main" id="{5B0DA19D-5682-49FA-9BAC-0AB97FA0605E}"/>
+              </a:ext>
+            </a:extLst>
+          </p:cNvPr>
+          <p:cNvPicPr>
+            <a:picLocks/>
+          </p:cNvPicPr>
+          <p:nvPr/>
+        </p:nvPicPr>
+        <p:blipFill>
+          <a:blip r:embed="rId4"/>
+          <a:stretch>
+            <a:fillRect/>
+          </a:stretch>
+        </p:blipFill>
+        <p:spPr>
+          <a:xfrm>
+            <a:off x="127001" y="136525"/>
+            <a:ext cx="5455567" cy="6584674"/>
+          </a:xfrm>
+          <a:prstGeom prst="rect">
+            <a:avLst/>
+          </a:prstGeom>
+        </p:spPr>
+      </p:pic>
     </p:spTree>
     <p:extLst>
       <p:ext uri="{BB962C8B-B14F-4D97-AF65-F5344CB8AC3E}">
@@ -19593,10 +19624,10 @@
       </p:grpSpPr>
       <p:pic>
         <p:nvPicPr>
-          <p:cNvPr id="21" name="Picture Placeholder 16" descr="Image containing medical tweezers of various sizes, some pills, and a hand holding a pen writing on a piece of paper attached to a clipboard">
-            <a:extLst>
-              <a:ext uri="{FF2B5EF4-FFF2-40B4-BE49-F238E27FC236}">
-                <a16:creationId xmlns:a16="http://schemas.microsoft.com/office/drawing/2014/main" id="{D29AD2ED-F2E1-42BA-A4F8-29194C963478}"/>
+          <p:cNvPr id="8" name="Picture Placeholder 7" descr="Image containing medical tweezers of various sizes, some pills, and a hand holding a pen writing on a piece of paper attached to a clipboard">
+            <a:extLst>
+              <a:ext uri="{FF2B5EF4-FFF2-40B4-BE49-F238E27FC236}">
+                <a16:creationId xmlns:a16="http://schemas.microsoft.com/office/drawing/2014/main" id="{58E8F1D1-2E7D-42A1-89B1-02F0157F588D}"/>
               </a:ext>
             </a:extLst>
           </p:cNvPr>
@@ -19615,24 +19646,24 @@
               </a:ext>
             </a:extLst>
           </a:blip>
-          <a:srcRect l="62" r="62"/>
+          <a:srcRect/>
           <a:stretch>
             <a:fillRect/>
           </a:stretch>
         </p:blipFill>
         <p:spPr>
           <a:xfrm>
-            <a:off x="253218" y="136525"/>
-            <a:ext cx="11816862" cy="6584950"/>
+            <a:off x="460082" y="96318"/>
+            <a:ext cx="11384915" cy="6584950"/>
           </a:xfrm>
         </p:spPr>
       </p:pic>
       <p:sp>
         <p:nvSpPr>
-          <p:cNvPr id="11" name="Rectangle 10">
-            <a:extLst>
-              <a:ext uri="{FF2B5EF4-FFF2-40B4-BE49-F238E27FC236}">
-                <a16:creationId xmlns:a16="http://schemas.microsoft.com/office/drawing/2014/main" id="{5396BE43-2D46-4002-A946-60FC5900EC15}"/>
+          <p:cNvPr id="12" name="Rectangle 11">
+            <a:extLst>
+              <a:ext uri="{FF2B5EF4-FFF2-40B4-BE49-F238E27FC236}">
+                <a16:creationId xmlns:a16="http://schemas.microsoft.com/office/drawing/2014/main" id="{1D3F6556-8AF2-4DC2-86FE-E38011E946E6}"/>
               </a:ext>
               <a:ext uri="{C183D7F6-B498-43B3-948B-1728B52AA6E4}">
                 <adec:decorative xmlns:adec="http://schemas.microsoft.com/office/drawing/2017/decorative" val="1"/>
@@ -19644,8 +19675,8 @@
         </p:nvSpPr>
         <p:spPr bwMode="invGray">
           <a:xfrm rot="5400000">
-            <a:off x="5939414" y="590809"/>
-            <a:ext cx="6584950" cy="5676382"/>
+            <a:off x="5430641" y="266912"/>
+            <a:ext cx="6584950" cy="6243762"/>
           </a:xfrm>
           <a:prstGeom prst="rect">
             <a:avLst/>
@@ -19689,7 +19720,7 @@
           <p:cNvPr id="3" name="Title 2">
             <a:extLst>
               <a:ext uri="{FF2B5EF4-FFF2-40B4-BE49-F238E27FC236}">
-                <a16:creationId xmlns:a16="http://schemas.microsoft.com/office/drawing/2014/main" id="{D2DDABB1-5E6B-4365-AD9E-DDCE7E972742}"/>
+                <a16:creationId xmlns:a16="http://schemas.microsoft.com/office/drawing/2014/main" id="{697DC055-29AA-4AE9-8621-A0765113CDFB}"/>
               </a:ext>
             </a:extLst>
           </p:cNvPr>
@@ -19700,10 +19731,10 @@
             <p:ph type="ctrTitle"/>
           </p:nvPr>
         </p:nvSpPr>
-        <p:spPr>
-          <a:xfrm>
-            <a:off x="5798303" y="2060917"/>
-            <a:ext cx="5085650" cy="1870007"/>
+        <p:spPr bwMode="black">
+          <a:xfrm>
+            <a:off x="4644632" y="464869"/>
+            <a:ext cx="5085650" cy="691666"/>
           </a:xfrm>
         </p:spPr>
         <p:txBody>
@@ -19712,8 +19743,9 @@
           <a:p>
             <a:r>
               <a:rPr lang="en-US" dirty="0"/>
-              <a:t>Thank You</a:t>
-            </a:r>
+              <a:t>Future Work</a:t>
+            </a:r>
+            <a:endParaRPr lang="en-US" b="1" dirty="0"/>
           </a:p>
         </p:txBody>
       </p:sp>
@@ -19722,7 +19754,7 @@
           <p:cNvPr id="4" name="Subtitle 3">
             <a:extLst>
               <a:ext uri="{FF2B5EF4-FFF2-40B4-BE49-F238E27FC236}">
-                <a16:creationId xmlns:a16="http://schemas.microsoft.com/office/drawing/2014/main" id="{37530160-A714-49C8-85A0-932553905B40}"/>
+                <a16:creationId xmlns:a16="http://schemas.microsoft.com/office/drawing/2014/main" id="{4CAFB058-F34E-4FAC-AA90-D1CB170C9984}"/>
               </a:ext>
             </a:extLst>
           </p:cNvPr>
@@ -19733,30 +19765,802 @@
             <p:ph type="subTitle" idx="1"/>
           </p:nvPr>
         </p:nvSpPr>
-        <p:spPr>
-          <a:xfrm>
-            <a:off x="6393698" y="4656406"/>
-            <a:ext cx="4681330" cy="956603"/>
+        <p:spPr bwMode="black">
+          <a:xfrm>
+            <a:off x="5702169" y="1398670"/>
+            <a:ext cx="6041893" cy="4762979"/>
           </a:xfrm>
         </p:spPr>
         <p:txBody>
           <a:bodyPr/>
           <a:lstStyle/>
           <a:p>
-            <a:r>
-              <a:rPr lang="en-US" sz="2400" b="1" dirty="0"/>
+            <a:pPr algn="ctr"/>
+            <a:r>
+              <a:rPr lang="en-US" b="1" dirty="0">
+                <a:solidFill>
+                  <a:srgbClr val="FFC000"/>
+                </a:solidFill>
+              </a:rPr>
+              <a:t>Incorporate our model to see how it works in hospitals so that it can assist health professionals diagnose patients with Pneumonia. </a:t>
+            </a:r>
+          </a:p>
+          <a:p>
+            <a:pPr algn="ctr"/>
+            <a:r>
+              <a:rPr lang="en-US" b="1" dirty="0">
+                <a:solidFill>
+                  <a:srgbClr val="FFC000"/>
+                </a:solidFill>
+              </a:rPr>
+              <a:t>Of course these reports must be validated. This is not the ultimate test. This needs to be certified by health professionals.</a:t>
+            </a:r>
+          </a:p>
+          <a:p>
+            <a:pPr algn="ctr"/>
+            <a:br>
+              <a:rPr lang="en-US" b="1" dirty="0">
+                <a:solidFill>
+                  <a:srgbClr val="FFC000"/>
+                </a:solidFill>
+              </a:rPr>
+            </a:br>
+            <a:r>
+              <a:rPr lang="en-US" b="1" dirty="0">
+                <a:solidFill>
+                  <a:srgbClr val="FFC000"/>
+                </a:solidFill>
+              </a:rPr>
+              <a:t>This model should be run under the supervision of a radiologist to enhance accuracy/recall to improve treatment outcomes which will increase hospitals ratings and fundings.</a:t>
+            </a:r>
+            <a:endParaRPr lang="en-US" dirty="0">
+              <a:solidFill>
+                <a:srgbClr val="FFC000"/>
+              </a:solidFill>
+            </a:endParaRPr>
+          </a:p>
+        </p:txBody>
+      </p:sp>
+      <p:sp>
+        <p:nvSpPr>
+          <p:cNvPr id="5" name="Slide Number Placeholder 4">
+            <a:extLst>
+              <a:ext uri="{FF2B5EF4-FFF2-40B4-BE49-F238E27FC236}">
+                <a16:creationId xmlns:a16="http://schemas.microsoft.com/office/drawing/2014/main" id="{631703FA-65E2-4E60-B9CE-387169A2F4AE}"/>
+              </a:ext>
+            </a:extLst>
+          </p:cNvPr>
+          <p:cNvSpPr>
+            <a:spLocks noGrp="1"/>
+          </p:cNvSpPr>
+          <p:nvPr>
+            <p:ph type="sldNum" sz="quarter" idx="12"/>
+          </p:nvPr>
+        </p:nvSpPr>
+        <p:spPr>
+          <a:xfrm>
+            <a:off x="11250520" y="6416937"/>
+            <a:ext cx="962795" cy="264330"/>
+          </a:xfrm>
+          <a:ln>
+            <a:noFill/>
+          </a:ln>
+        </p:spPr>
+        <p:txBody>
+          <a:bodyPr/>
+          <a:lstStyle/>
+          <a:p>
+            <a:r>
+              <a:rPr lang="en-US" dirty="0">
+                <a:solidFill>
+                  <a:schemeClr val="bg1"/>
+                </a:solidFill>
+              </a:rPr>
+              <a:t>page </a:t>
+            </a:r>
+            <a:fld id="{19B51A1E-902D-48AF-9020-955120F399B6}" type="slidenum">
+              <a:rPr lang="en-US" b="1" i="1" smtClean="0">
+                <a:solidFill>
+                  <a:schemeClr val="bg1"/>
+                </a:solidFill>
+              </a:rPr>
+              <a:pPr/>
+              <a:t>10</a:t>
+            </a:fld>
+            <a:endParaRPr lang="en-US" b="1" i="1" dirty="0">
+              <a:solidFill>
+                <a:schemeClr val="bg1"/>
+              </a:solidFill>
+            </a:endParaRPr>
+          </a:p>
+        </p:txBody>
+      </p:sp>
+      <p:pic>
+        <p:nvPicPr>
+          <p:cNvPr id="7" name="Picture 6" descr="A picture containing film, indoor, bottle, sitting&#10;&#10;Description automatically generated">
+            <a:extLst>
+              <a:ext uri="{FF2B5EF4-FFF2-40B4-BE49-F238E27FC236}">
+                <a16:creationId xmlns:a16="http://schemas.microsoft.com/office/drawing/2014/main" id="{FDFB7452-CDA1-40CD-A9D4-D830AF56A1DB}"/>
+              </a:ext>
+            </a:extLst>
+          </p:cNvPr>
+          <p:cNvPicPr>
+            <a:picLocks/>
+          </p:cNvPicPr>
+          <p:nvPr/>
+        </p:nvPicPr>
+        <p:blipFill>
+          <a:blip r:embed="rId4"/>
+          <a:stretch>
+            <a:fillRect/>
+          </a:stretch>
+        </p:blipFill>
+        <p:spPr>
+          <a:xfrm rot="20134130">
+            <a:off x="1584081" y="1918539"/>
+            <a:ext cx="2063813" cy="1865376"/>
+          </a:xfrm>
+          <a:prstGeom prst="rect">
+            <a:avLst/>
+          </a:prstGeom>
+        </p:spPr>
+      </p:pic>
+    </p:spTree>
+    <p:extLst>
+      <p:ext uri="{BB962C8B-B14F-4D97-AF65-F5344CB8AC3E}">
+        <p14:creationId xmlns:p14="http://schemas.microsoft.com/office/powerpoint/2010/main" val="2205769443"/>
+      </p:ext>
+    </p:extLst>
+  </p:cSld>
+  <p:clrMapOvr>
+    <a:masterClrMapping/>
+  </p:clrMapOvr>
+</p:sld>
+</file>
+
+<file path=ppt/slides/slide11.xml><?xml version="1.0" encoding="utf-8"?>
+<p:sld xmlns:a="http://schemas.openxmlformats.org/drawingml/2006/main" xmlns:r="http://schemas.openxmlformats.org/officeDocument/2006/relationships" xmlns:p="http://schemas.openxmlformats.org/presentationml/2006/main" showMasterSp="0">
+  <p:cSld>
+    <p:spTree>
+      <p:nvGrpSpPr>
+        <p:cNvPr id="1" name=""/>
+        <p:cNvGrpSpPr/>
+        <p:nvPr/>
+      </p:nvGrpSpPr>
+      <p:grpSpPr>
+        <a:xfrm>
+          <a:off x="0" y="0"/>
+          <a:ext cx="0" cy="0"/>
+          <a:chOff x="0" y="0"/>
+          <a:chExt cx="0" cy="0"/>
+        </a:xfrm>
+      </p:grpSpPr>
+      <p:pic>
+        <p:nvPicPr>
+          <p:cNvPr id="21" name="Picture Placeholder 16" descr="Image containing medical tweezers of various sizes, some pills, and a hand holding a pen writing on a piece of paper attached to a clipboard">
+            <a:extLst>
+              <a:ext uri="{FF2B5EF4-FFF2-40B4-BE49-F238E27FC236}">
+                <a16:creationId xmlns:a16="http://schemas.microsoft.com/office/drawing/2014/main" id="{D29AD2ED-F2E1-42BA-A4F8-29194C963478}"/>
+              </a:ext>
+            </a:extLst>
+          </p:cNvPr>
+          <p:cNvPicPr>
+            <a:picLocks noGrp="1" noChangeAspect="1"/>
+          </p:cNvPicPr>
+          <p:nvPr>
+            <p:ph type="pic" sz="quarter" idx="10"/>
+          </p:nvPr>
+        </p:nvPicPr>
+        <p:blipFill>
+          <a:blip r:embed="rId3" cstate="screen">
+            <a:extLst>
+              <a:ext uri="{28A0092B-C50C-407E-A947-70E740481C1C}">
+                <a14:useLocalDpi xmlns:a14="http://schemas.microsoft.com/office/drawing/2010/main"/>
+              </a:ext>
+            </a:extLst>
+          </a:blip>
+          <a:srcRect l="62" r="62"/>
+          <a:stretch>
+            <a:fillRect/>
+          </a:stretch>
+        </p:blipFill>
+        <p:spPr>
+          <a:xfrm>
+            <a:off x="253218" y="136525"/>
+            <a:ext cx="11816862" cy="6584950"/>
+          </a:xfrm>
+        </p:spPr>
+      </p:pic>
+      <p:sp>
+        <p:nvSpPr>
+          <p:cNvPr id="11" name="Rectangle 10">
+            <a:extLst>
+              <a:ext uri="{FF2B5EF4-FFF2-40B4-BE49-F238E27FC236}">
+                <a16:creationId xmlns:a16="http://schemas.microsoft.com/office/drawing/2014/main" id="{5396BE43-2D46-4002-A946-60FC5900EC15}"/>
+              </a:ext>
+              <a:ext uri="{C183D7F6-B498-43B3-948B-1728B52AA6E4}">
+                <adec:decorative xmlns:adec="http://schemas.microsoft.com/office/drawing/2017/decorative" val="1"/>
+              </a:ext>
+            </a:extLst>
+          </p:cNvPr>
+          <p:cNvSpPr/>
+          <p:nvPr/>
+        </p:nvSpPr>
+        <p:spPr bwMode="invGray">
+          <a:xfrm rot="5400000">
+            <a:off x="5939414" y="590809"/>
+            <a:ext cx="6584950" cy="5676382"/>
+          </a:xfrm>
+          <a:prstGeom prst="rect">
+            <a:avLst/>
+          </a:prstGeom>
+          <a:solidFill>
+            <a:schemeClr val="tx1">
+              <a:alpha val="70000"/>
+            </a:schemeClr>
+          </a:solidFill>
+          <a:ln>
+            <a:noFill/>
+          </a:ln>
+        </p:spPr>
+        <p:style>
+          <a:lnRef idx="2">
+            <a:schemeClr val="accent1">
+              <a:shade val="50000"/>
+            </a:schemeClr>
+          </a:lnRef>
+          <a:fillRef idx="1">
+            <a:schemeClr val="accent1"/>
+          </a:fillRef>
+          <a:effectRef idx="0">
+            <a:schemeClr val="accent1"/>
+          </a:effectRef>
+          <a:fontRef idx="minor">
+            <a:schemeClr val="lt1"/>
+          </a:fontRef>
+        </p:style>
+        <p:txBody>
+          <a:bodyPr rtlCol="0" anchor="ctr"/>
+          <a:lstStyle/>
+          <a:p>
+            <a:pPr algn="ctr"/>
+            <a:endParaRPr lang="en-US" dirty="0"/>
+          </a:p>
+        </p:txBody>
+      </p:sp>
+      <p:sp>
+        <p:nvSpPr>
+          <p:cNvPr id="3" name="Title 2">
+            <a:extLst>
+              <a:ext uri="{FF2B5EF4-FFF2-40B4-BE49-F238E27FC236}">
+                <a16:creationId xmlns:a16="http://schemas.microsoft.com/office/drawing/2014/main" id="{D2DDABB1-5E6B-4365-AD9E-DDCE7E972742}"/>
+              </a:ext>
+            </a:extLst>
+          </p:cNvPr>
+          <p:cNvSpPr>
+            <a:spLocks noGrp="1"/>
+          </p:cNvSpPr>
+          <p:nvPr>
+            <p:ph type="ctrTitle"/>
+          </p:nvPr>
+        </p:nvSpPr>
+        <p:spPr>
+          <a:xfrm>
+            <a:off x="6004703" y="176180"/>
+            <a:ext cx="5085650" cy="1870007"/>
+          </a:xfrm>
+        </p:spPr>
+        <p:txBody>
+          <a:bodyPr/>
+          <a:lstStyle/>
+          <a:p>
+            <a:r>
+              <a:rPr lang="en-US" dirty="0"/>
+              <a:t>Thank You</a:t>
+            </a:r>
+          </a:p>
+        </p:txBody>
+      </p:sp>
+      <p:sp>
+        <p:nvSpPr>
+          <p:cNvPr id="4" name="Subtitle 3">
+            <a:extLst>
+              <a:ext uri="{FF2B5EF4-FFF2-40B4-BE49-F238E27FC236}">
+                <a16:creationId xmlns:a16="http://schemas.microsoft.com/office/drawing/2014/main" id="{37530160-A714-49C8-85A0-932553905B40}"/>
+              </a:ext>
+            </a:extLst>
+          </p:cNvPr>
+          <p:cNvSpPr>
+            <a:spLocks noGrp="1"/>
+          </p:cNvSpPr>
+          <p:nvPr>
+            <p:ph type="subTitle" idx="1"/>
+          </p:nvPr>
+        </p:nvSpPr>
+        <p:spPr>
+          <a:xfrm>
+            <a:off x="7803858" y="5013354"/>
+            <a:ext cx="2856061" cy="956603"/>
+          </a:xfrm>
+        </p:spPr>
+        <p:txBody>
+          <a:bodyPr/>
+          <a:lstStyle/>
+          <a:p>
+            <a:r>
+              <a:rPr lang="en-US" sz="2400" b="1" dirty="0">
+                <a:solidFill>
+                  <a:srgbClr val="FFFF00"/>
+                </a:solidFill>
+              </a:rPr>
               <a:t>Any Questions </a:t>
             </a:r>
             <a:r>
               <a:rPr lang="en-US" sz="2400" b="1" dirty="0">
+                <a:solidFill>
+                  <a:srgbClr val="FFFF00"/>
+                </a:solidFill>
                 <a:sym typeface="Wingdings" panose="05000000000000000000" pitchFamily="2" charset="2"/>
               </a:rPr>
               <a:t></a:t>
             </a:r>
             <a:r>
+              <a:rPr lang="en-US" sz="2400" b="1" dirty="0">
+                <a:solidFill>
+                  <a:srgbClr val="FFFF00"/>
+                </a:solidFill>
+              </a:rPr>
+              <a:t> ???</a:t>
+            </a:r>
+          </a:p>
+        </p:txBody>
+      </p:sp>
+      <p:pic>
+        <p:nvPicPr>
+          <p:cNvPr id="6" name="Picture 5" descr="A picture containing film, indoor, bottle, sitting&#10;&#10;Description automatically generated">
+            <a:extLst>
+              <a:ext uri="{FF2B5EF4-FFF2-40B4-BE49-F238E27FC236}">
+                <a16:creationId xmlns:a16="http://schemas.microsoft.com/office/drawing/2014/main" id="{F6778986-82A5-4B15-A0F0-B6D219BA640F}"/>
+              </a:ext>
+            </a:extLst>
+          </p:cNvPr>
+          <p:cNvPicPr>
+            <a:picLocks/>
+          </p:cNvPicPr>
+          <p:nvPr/>
+        </p:nvPicPr>
+        <p:blipFill>
+          <a:blip r:embed="rId4"/>
+          <a:stretch>
+            <a:fillRect/>
+          </a:stretch>
+        </p:blipFill>
+        <p:spPr>
+          <a:xfrm rot="20160463">
+            <a:off x="1462242" y="1900392"/>
+            <a:ext cx="2063813" cy="1865376"/>
+          </a:xfrm>
+          <a:prstGeom prst="rect">
+            <a:avLst/>
+          </a:prstGeom>
+        </p:spPr>
+      </p:pic>
+      <p:sp>
+        <p:nvSpPr>
+          <p:cNvPr id="9" name="Subtitle 3">
+            <a:extLst>
+              <a:ext uri="{FF2B5EF4-FFF2-40B4-BE49-F238E27FC236}">
+                <a16:creationId xmlns:a16="http://schemas.microsoft.com/office/drawing/2014/main" id="{81D4D4A1-9BF0-4F1D-A8DD-F313309D5A28}"/>
+              </a:ext>
+            </a:extLst>
+          </p:cNvPr>
+          <p:cNvSpPr txBox="1">
+            <a:spLocks/>
+          </p:cNvSpPr>
+          <p:nvPr/>
+        </p:nvSpPr>
+        <p:spPr>
+          <a:xfrm>
+            <a:off x="7944646" y="2881437"/>
+            <a:ext cx="3051984" cy="1774969"/>
+          </a:xfrm>
+          <a:prstGeom prst="rect">
+            <a:avLst/>
+          </a:prstGeom>
+        </p:spPr>
+        <p:txBody>
+          <a:bodyPr vert="horz" lIns="0" tIns="0" rIns="0" bIns="0" rtlCol="0">
+            <a:noAutofit/>
+          </a:bodyPr>
+          <a:lstStyle>
+            <a:lvl1pPr marL="0" indent="0" algn="r" defTabSz="914400" rtl="0" eaLnBrk="1" latinLnBrk="0" hangingPunct="1">
+              <a:lnSpc>
+                <a:spcPct val="90000"/>
+              </a:lnSpc>
+              <a:spcBef>
+                <a:spcPts val="1000"/>
+              </a:spcBef>
+              <a:buFont typeface="Arial" panose="020B0604020202020204" pitchFamily="34" charset="0"/>
+              <a:buNone/>
+              <a:defRPr sz="1600" kern="1200">
+                <a:solidFill>
+                  <a:schemeClr val="bg1"/>
+                </a:solidFill>
+                <a:latin typeface="+mn-lt"/>
+                <a:ea typeface="+mn-ea"/>
+                <a:cs typeface="+mn-cs"/>
+              </a:defRPr>
+            </a:lvl1pPr>
+            <a:lvl2pPr marL="457200" indent="0" algn="ctr" defTabSz="914400" rtl="0" eaLnBrk="1" latinLnBrk="0" hangingPunct="1">
+              <a:lnSpc>
+                <a:spcPct val="90000"/>
+              </a:lnSpc>
+              <a:spcBef>
+                <a:spcPts val="500"/>
+              </a:spcBef>
+              <a:buFont typeface="Arial" panose="020B0604020202020204" pitchFamily="34" charset="0"/>
+              <a:buNone/>
+              <a:defRPr sz="2000" kern="1200">
+                <a:solidFill>
+                  <a:schemeClr val="tx1">
+                    <a:lumMod val="75000"/>
+                    <a:lumOff val="25000"/>
+                  </a:schemeClr>
+                </a:solidFill>
+                <a:latin typeface="+mn-lt"/>
+                <a:ea typeface="+mn-ea"/>
+                <a:cs typeface="+mn-cs"/>
+              </a:defRPr>
+            </a:lvl2pPr>
+            <a:lvl3pPr marL="914400" indent="0" algn="ctr" defTabSz="914400" rtl="0" eaLnBrk="1" latinLnBrk="0" hangingPunct="1">
+              <a:lnSpc>
+                <a:spcPct val="90000"/>
+              </a:lnSpc>
+              <a:spcBef>
+                <a:spcPts val="500"/>
+              </a:spcBef>
+              <a:buFont typeface="Arial" panose="020B0604020202020204" pitchFamily="34" charset="0"/>
+              <a:buNone/>
+              <a:defRPr sz="1800" kern="1200">
+                <a:solidFill>
+                  <a:schemeClr val="tx1">
+                    <a:lumMod val="75000"/>
+                    <a:lumOff val="25000"/>
+                  </a:schemeClr>
+                </a:solidFill>
+                <a:latin typeface="+mn-lt"/>
+                <a:ea typeface="+mn-ea"/>
+                <a:cs typeface="+mn-cs"/>
+              </a:defRPr>
+            </a:lvl3pPr>
+            <a:lvl4pPr marL="1371600" indent="0" algn="ctr" defTabSz="914400" rtl="0" eaLnBrk="1" latinLnBrk="0" hangingPunct="1">
+              <a:lnSpc>
+                <a:spcPct val="90000"/>
+              </a:lnSpc>
+              <a:spcBef>
+                <a:spcPts val="500"/>
+              </a:spcBef>
+              <a:buFont typeface="Arial" panose="020B0604020202020204" pitchFamily="34" charset="0"/>
+              <a:buNone/>
+              <a:defRPr sz="1600" kern="1200">
+                <a:solidFill>
+                  <a:schemeClr val="tx1">
+                    <a:lumMod val="75000"/>
+                    <a:lumOff val="25000"/>
+                  </a:schemeClr>
+                </a:solidFill>
+                <a:latin typeface="+mn-lt"/>
+                <a:ea typeface="+mn-ea"/>
+                <a:cs typeface="+mn-cs"/>
+              </a:defRPr>
+            </a:lvl4pPr>
+            <a:lvl5pPr marL="1828800" indent="0" algn="ctr" defTabSz="914400" rtl="0" eaLnBrk="1" latinLnBrk="0" hangingPunct="1">
+              <a:lnSpc>
+                <a:spcPct val="90000"/>
+              </a:lnSpc>
+              <a:spcBef>
+                <a:spcPts val="500"/>
+              </a:spcBef>
+              <a:buFont typeface="Arial" panose="020B0604020202020204" pitchFamily="34" charset="0"/>
+              <a:buNone/>
+              <a:defRPr sz="1600" kern="1200">
+                <a:solidFill>
+                  <a:schemeClr val="tx1">
+                    <a:lumMod val="75000"/>
+                    <a:lumOff val="25000"/>
+                  </a:schemeClr>
+                </a:solidFill>
+                <a:latin typeface="+mn-lt"/>
+                <a:ea typeface="+mn-ea"/>
+                <a:cs typeface="+mn-cs"/>
+              </a:defRPr>
+            </a:lvl5pPr>
+            <a:lvl6pPr marL="2286000" indent="0" algn="ctr" defTabSz="914400" rtl="0" eaLnBrk="1" latinLnBrk="0" hangingPunct="1">
+              <a:lnSpc>
+                <a:spcPct val="90000"/>
+              </a:lnSpc>
+              <a:spcBef>
+                <a:spcPts val="500"/>
+              </a:spcBef>
+              <a:buFont typeface="Arial" panose="020B0604020202020204" pitchFamily="34" charset="0"/>
+              <a:buNone/>
+              <a:defRPr sz="1600" kern="1200">
+                <a:solidFill>
+                  <a:schemeClr val="tx1"/>
+                </a:solidFill>
+                <a:latin typeface="+mn-lt"/>
+                <a:ea typeface="+mn-ea"/>
+                <a:cs typeface="+mn-cs"/>
+              </a:defRPr>
+            </a:lvl6pPr>
+            <a:lvl7pPr marL="2743200" indent="0" algn="ctr" defTabSz="914400" rtl="0" eaLnBrk="1" latinLnBrk="0" hangingPunct="1">
+              <a:lnSpc>
+                <a:spcPct val="90000"/>
+              </a:lnSpc>
+              <a:spcBef>
+                <a:spcPts val="500"/>
+              </a:spcBef>
+              <a:buFont typeface="Arial" panose="020B0604020202020204" pitchFamily="34" charset="0"/>
+              <a:buNone/>
+              <a:defRPr sz="1600" kern="1200">
+                <a:solidFill>
+                  <a:schemeClr val="tx1"/>
+                </a:solidFill>
+                <a:latin typeface="+mn-lt"/>
+                <a:ea typeface="+mn-ea"/>
+                <a:cs typeface="+mn-cs"/>
+              </a:defRPr>
+            </a:lvl7pPr>
+            <a:lvl8pPr marL="3200400" indent="0" algn="ctr" defTabSz="914400" rtl="0" eaLnBrk="1" latinLnBrk="0" hangingPunct="1">
+              <a:lnSpc>
+                <a:spcPct val="90000"/>
+              </a:lnSpc>
+              <a:spcBef>
+                <a:spcPts val="500"/>
+              </a:spcBef>
+              <a:buFont typeface="Arial" panose="020B0604020202020204" pitchFamily="34" charset="0"/>
+              <a:buNone/>
+              <a:defRPr sz="1600" kern="1200">
+                <a:solidFill>
+                  <a:schemeClr val="tx1"/>
+                </a:solidFill>
+                <a:latin typeface="+mn-lt"/>
+                <a:ea typeface="+mn-ea"/>
+                <a:cs typeface="+mn-cs"/>
+              </a:defRPr>
+            </a:lvl8pPr>
+            <a:lvl9pPr marL="3657600" indent="0" algn="ctr" defTabSz="914400" rtl="0" eaLnBrk="1" latinLnBrk="0" hangingPunct="1">
+              <a:lnSpc>
+                <a:spcPct val="90000"/>
+              </a:lnSpc>
+              <a:spcBef>
+                <a:spcPts val="500"/>
+              </a:spcBef>
+              <a:buFont typeface="Arial" panose="020B0604020202020204" pitchFamily="34" charset="0"/>
+              <a:buNone/>
+              <a:defRPr sz="1600" kern="1200">
+                <a:solidFill>
+                  <a:schemeClr val="tx1"/>
+                </a:solidFill>
+                <a:latin typeface="+mn-lt"/>
+                <a:ea typeface="+mn-ea"/>
+                <a:cs typeface="+mn-cs"/>
+              </a:defRPr>
+            </a:lvl9pPr>
+          </a:lstStyle>
+          <a:p>
+            <a:pPr marL="342900" indent="-342900" algn="l">
+              <a:buFont typeface="Arial" panose="020B0604020202020204" pitchFamily="34" charset="0"/>
+              <a:buChar char="•"/>
+            </a:pPr>
+            <a:r>
               <a:rPr lang="en-US" sz="2400" b="1" dirty="0"/>
-              <a:t> ???</a:t>
-            </a:r>
+              <a:t>Amber </a:t>
+            </a:r>
+            <a:r>
+              <a:rPr lang="en-US" sz="2400" b="1" dirty="0" err="1"/>
+              <a:t>Yandow</a:t>
+            </a:r>
+            <a:endParaRPr lang="en-US" sz="2400" b="1" dirty="0"/>
+          </a:p>
+          <a:p>
+            <a:pPr marL="342900" indent="-342900" algn="l">
+              <a:buFont typeface="Arial" panose="020B0604020202020204" pitchFamily="34" charset="0"/>
+              <a:buChar char="•"/>
+            </a:pPr>
+            <a:r>
+              <a:rPr lang="en-US" sz="2400" b="1" dirty="0"/>
+              <a:t>Ben Jacobson</a:t>
+            </a:r>
+          </a:p>
+          <a:p>
+            <a:pPr marL="342900" indent="-342900" algn="l">
+              <a:buFont typeface="Arial" panose="020B0604020202020204" pitchFamily="34" charset="0"/>
+              <a:buChar char="•"/>
+            </a:pPr>
+            <a:r>
+              <a:rPr lang="en-US" sz="2400" b="1" dirty="0" err="1"/>
+              <a:t>Luay</a:t>
+            </a:r>
+            <a:r>
+              <a:rPr lang="en-US" sz="2400" b="1" dirty="0"/>
+              <a:t> </a:t>
+            </a:r>
+            <a:r>
+              <a:rPr lang="en-US" sz="2400" b="1" dirty="0" err="1"/>
+              <a:t>Matalka</a:t>
+            </a:r>
+            <a:endParaRPr lang="en-US" sz="2400" b="1" dirty="0"/>
+          </a:p>
+        </p:txBody>
+      </p:sp>
+      <p:sp>
+        <p:nvSpPr>
+          <p:cNvPr id="5" name="Rectangle 1">
+            <a:extLst>
+              <a:ext uri="{FF2B5EF4-FFF2-40B4-BE49-F238E27FC236}">
+                <a16:creationId xmlns:a16="http://schemas.microsoft.com/office/drawing/2014/main" id="{44AAEDF5-196D-4C35-BD3E-3F3F947AB51F}"/>
+              </a:ext>
+            </a:extLst>
+          </p:cNvPr>
+          <p:cNvSpPr>
+            <a:spLocks noChangeArrowheads="1"/>
+          </p:cNvSpPr>
+          <p:nvPr/>
+        </p:nvSpPr>
+        <p:spPr bwMode="auto">
+          <a:xfrm>
+            <a:off x="152400" y="152400"/>
+            <a:ext cx="12192000" cy="0"/>
+          </a:xfrm>
+          <a:prstGeom prst="rect">
+            <a:avLst/>
+          </a:prstGeom>
+          <a:noFill/>
+          <a:ln>
+            <a:noFill/>
+          </a:ln>
+          <a:effectLst/>
+          <a:extLst>
+            <a:ext uri="{909E8E84-426E-40DD-AFC4-6F175D3DCCD1}">
+              <a14:hiddenFill xmlns:a14="http://schemas.microsoft.com/office/drawing/2010/main">
+                <a:solidFill>
+                  <a:schemeClr val="accent1"/>
+                </a:solidFill>
+              </a14:hiddenFill>
+            </a:ext>
+            <a:ext uri="{91240B29-F687-4F45-9708-019B960494DF}">
+              <a14:hiddenLine xmlns:a14="http://schemas.microsoft.com/office/drawing/2010/main" w="9525">
+                <a:solidFill>
+                  <a:schemeClr val="tx1"/>
+                </a:solidFill>
+                <a:miter lim="800000"/>
+                <a:headEnd/>
+                <a:tailEnd/>
+              </a14:hiddenLine>
+            </a:ext>
+            <a:ext uri="{AF507438-7753-43E0-B8FC-AC1667EBCBE1}">
+              <a14:hiddenEffects xmlns:a14="http://schemas.microsoft.com/office/drawing/2010/main">
+                <a:effectLst>
+                  <a:outerShdw dist="35921" dir="2700000" algn="ctr" rotWithShape="0">
+                    <a:schemeClr val="bg2"/>
+                  </a:outerShdw>
+                </a:effectLst>
+              </a14:hiddenEffects>
+            </a:ext>
+          </a:extLst>
+        </p:spPr>
+        <p:txBody>
+          <a:bodyPr vert="horz" wrap="none" lIns="25392" tIns="45720" rIns="91440" bIns="45720" numCol="1" anchor="ctr" anchorCtr="0" compatLnSpc="1">
+            <a:prstTxWarp prst="textNoShape">
+              <a:avLst/>
+            </a:prstTxWarp>
+            <a:spAutoFit/>
+          </a:bodyPr>
+          <a:lstStyle/>
+          <a:p>
+            <a:endParaRPr lang="en-US"/>
+          </a:p>
+        </p:txBody>
+      </p:sp>
+      <p:sp>
+        <p:nvSpPr>
+          <p:cNvPr id="10" name="Rectangle 3">
+            <a:extLst>
+              <a:ext uri="{FF2B5EF4-FFF2-40B4-BE49-F238E27FC236}">
+                <a16:creationId xmlns:a16="http://schemas.microsoft.com/office/drawing/2014/main" id="{D0B5BB41-6A28-4671-AAEE-13D5346B58BA}"/>
+              </a:ext>
+            </a:extLst>
+          </p:cNvPr>
+          <p:cNvSpPr>
+            <a:spLocks noChangeArrowheads="1"/>
+          </p:cNvSpPr>
+          <p:nvPr/>
+        </p:nvSpPr>
+        <p:spPr bwMode="auto">
+          <a:xfrm>
+            <a:off x="152400" y="152400"/>
+            <a:ext cx="0" cy="0"/>
+          </a:xfrm>
+          <a:prstGeom prst="rect">
+            <a:avLst/>
+          </a:prstGeom>
+          <a:solidFill>
+            <a:srgbClr val="FFFFFF"/>
+          </a:solidFill>
+          <a:ln>
+            <a:noFill/>
+          </a:ln>
+          <a:effectLst/>
+          <a:extLst>
+            <a:ext uri="{91240B29-F687-4F45-9708-019B960494DF}">
+              <a14:hiddenLine xmlns:a14="http://schemas.microsoft.com/office/drawing/2010/main" w="9525">
+                <a:solidFill>
+                  <a:schemeClr val="tx1"/>
+                </a:solidFill>
+                <a:miter lim="800000"/>
+                <a:headEnd/>
+                <a:tailEnd/>
+              </a14:hiddenLine>
+            </a:ext>
+            <a:ext uri="{AF507438-7753-43E0-B8FC-AC1667EBCBE1}">
+              <a14:hiddenEffects xmlns:a14="http://schemas.microsoft.com/office/drawing/2010/main">
+                <a:effectLst>
+                  <a:outerShdw dist="35921" dir="2700000" algn="ctr" rotWithShape="0">
+                    <a:schemeClr val="bg2"/>
+                  </a:outerShdw>
+                </a:effectLst>
+              </a14:hiddenEffects>
+            </a:ext>
+          </a:extLst>
+        </p:spPr>
+        <p:txBody>
+          <a:bodyPr vert="horz" wrap="none" lIns="91440" tIns="45720" rIns="91440" bIns="45720" numCol="1" anchor="ctr" anchorCtr="0" compatLnSpc="1">
+            <a:prstTxWarp prst="textNoShape">
+              <a:avLst/>
+            </a:prstTxWarp>
+            <a:spAutoFit/>
+          </a:bodyPr>
+          <a:lstStyle/>
+          <a:p>
+            <a:pPr marL="0" marR="0" lvl="0" indent="0" algn="l" defTabSz="914400" rtl="0" eaLnBrk="0" fontAlgn="base" latinLnBrk="0" hangingPunct="0">
+              <a:lnSpc>
+                <a:spcPct val="100000"/>
+              </a:lnSpc>
+              <a:spcBef>
+                <a:spcPct val="0"/>
+              </a:spcBef>
+              <a:spcAft>
+                <a:spcPct val="0"/>
+              </a:spcAft>
+              <a:buClrTx/>
+              <a:buSzTx/>
+              <a:buFontTx/>
+              <a:buNone/>
+              <a:tabLst/>
+            </a:pPr>
+            <a:br>
+              <a:rPr kumimoji="0" lang="en-US" altLang="en-US" sz="1100" b="0" i="0" u="none" strike="noStrike" cap="none" normalizeH="0" baseline="0">
+                <a:ln>
+                  <a:noFill/>
+                </a:ln>
+                <a:solidFill>
+                  <a:srgbClr val="1D1C1D"/>
+                </a:solidFill>
+                <a:effectLst/>
+                <a:latin typeface="Slack-Lato"/>
+              </a:rPr>
+            </a:br>
+            <a:endParaRPr kumimoji="0" lang="en-US" altLang="en-US" sz="1800" b="0" i="0" u="none" strike="noStrike" cap="none" normalizeH="0" baseline="0">
+              <a:ln>
+                <a:noFill/>
+              </a:ln>
+              <a:solidFill>
+                <a:schemeClr val="tx1"/>
+              </a:solidFill>
+              <a:effectLst/>
+              <a:latin typeface="Arial" panose="020B0604020202020204" pitchFamily="34" charset="0"/>
+            </a:endParaRPr>
           </a:p>
         </p:txBody>
       </p:sp>
@@ -20331,6 +21135,36 @@
           </a:p>
         </p:txBody>
       </p:sp>
+      <p:pic>
+        <p:nvPicPr>
+          <p:cNvPr id="5" name="Picture 4" descr="A picture containing film, indoor, bottle, sitting&#10;&#10;Description automatically generated">
+            <a:extLst>
+              <a:ext uri="{FF2B5EF4-FFF2-40B4-BE49-F238E27FC236}">
+                <a16:creationId xmlns:a16="http://schemas.microsoft.com/office/drawing/2014/main" id="{9EE892D6-1202-442F-BC08-A587A53EEEB3}"/>
+              </a:ext>
+            </a:extLst>
+          </p:cNvPr>
+          <p:cNvPicPr>
+            <a:picLocks/>
+          </p:cNvPicPr>
+          <p:nvPr/>
+        </p:nvPicPr>
+        <p:blipFill>
+          <a:blip r:embed="rId4"/>
+          <a:stretch>
+            <a:fillRect/>
+          </a:stretch>
+        </p:blipFill>
+        <p:spPr>
+          <a:xfrm>
+            <a:off x="2325307" y="3316224"/>
+            <a:ext cx="1137222" cy="2231136"/>
+          </a:xfrm>
+          <a:prstGeom prst="rect">
+            <a:avLst/>
+          </a:prstGeom>
+        </p:spPr>
+      </p:pic>
     </p:spTree>
     <p:extLst>
       <p:ext uri="{BB962C8B-B14F-4D97-AF65-F5344CB8AC3E}">
@@ -20808,15 +21642,6 @@
           <a:solidFill>
             <a:srgbClr val="FFFFFF"/>
           </a:solidFill>
-          <a:extLst>
-            <a:ext uri="{909E8E84-426E-40DD-AFC4-6F175D3DCCD1}">
-              <a14:hiddenFill xmlns:a14="http://schemas.microsoft.com/office/drawing/2010/main">
-                <a:solidFill>
-                  <a:srgbClr val="FFFFFF"/>
-                </a:solidFill>
-              </a14:hiddenFill>
-            </a:ext>
-          </a:extLst>
         </p:spPr>
       </p:pic>
       <p:sp>
@@ -21291,273 +22116,204 @@
           <a:chExt cx="0" cy="0"/>
         </a:xfrm>
       </p:grpSpPr>
+      <p:sp>
+        <p:nvSpPr>
+          <p:cNvPr id="3" name="Title 2">
+            <a:extLst>
+              <a:ext uri="{FF2B5EF4-FFF2-40B4-BE49-F238E27FC236}">
+                <a16:creationId xmlns:a16="http://schemas.microsoft.com/office/drawing/2014/main" id="{3092ECE8-51E2-45F7-9038-5962D4399575}"/>
+              </a:ext>
+            </a:extLst>
+          </p:cNvPr>
+          <p:cNvSpPr>
+            <a:spLocks noGrp="1"/>
+          </p:cNvSpPr>
+          <p:nvPr>
+            <p:ph type="ctrTitle"/>
+          </p:nvPr>
+        </p:nvSpPr>
+        <p:spPr>
+          <a:xfrm>
+            <a:off x="3523843" y="200498"/>
+            <a:ext cx="5085650" cy="812867"/>
+          </a:xfrm>
+        </p:spPr>
+        <p:txBody>
+          <a:bodyPr/>
+          <a:lstStyle/>
+          <a:p>
+            <a:pPr algn="ctr"/>
+            <a:r>
+              <a:rPr lang="en-US" dirty="0"/>
+              <a:t>Validation dataset </a:t>
+            </a:r>
+          </a:p>
+        </p:txBody>
+      </p:sp>
+      <p:sp>
+        <p:nvSpPr>
+          <p:cNvPr id="4" name="Subtitle 3">
+            <a:extLst>
+              <a:ext uri="{FF2B5EF4-FFF2-40B4-BE49-F238E27FC236}">
+                <a16:creationId xmlns:a16="http://schemas.microsoft.com/office/drawing/2014/main" id="{387FB1BA-B4E2-4865-87E5-E7396DE7C531}"/>
+              </a:ext>
+            </a:extLst>
+          </p:cNvPr>
+          <p:cNvSpPr>
+            <a:spLocks noGrp="1"/>
+          </p:cNvSpPr>
+          <p:nvPr>
+            <p:ph type="subTitle" idx="1"/>
+          </p:nvPr>
+        </p:nvSpPr>
+        <p:spPr>
+          <a:xfrm>
+            <a:off x="4812450" y="4923876"/>
+            <a:ext cx="3222078" cy="1754131"/>
+          </a:xfrm>
+        </p:spPr>
+        <p:txBody>
+          <a:bodyPr/>
+          <a:lstStyle/>
+          <a:p>
+            <a:pPr algn="l"/>
+            <a:r>
+              <a:rPr lang="fr-FR" dirty="0">
+                <a:solidFill>
+                  <a:srgbClr val="FFFF00"/>
+                </a:solidFill>
+              </a:rPr>
+              <a:t>Our  Model has about :</a:t>
+            </a:r>
+          </a:p>
+          <a:p>
+            <a:pPr marL="342900" indent="-342900" algn="l">
+              <a:buFont typeface="Arial" panose="020B0604020202020204" pitchFamily="34" charset="0"/>
+              <a:buChar char="•"/>
+            </a:pPr>
+            <a:r>
+              <a:rPr lang="fr-FR" dirty="0">
+                <a:solidFill>
+                  <a:srgbClr val="FFFF00"/>
+                </a:solidFill>
+              </a:rPr>
+              <a:t>        Accuracy: 75%   </a:t>
+            </a:r>
+          </a:p>
+          <a:p>
+            <a:pPr marL="342900" indent="-342900" algn="l">
+              <a:buFont typeface="Arial" panose="020B0604020202020204" pitchFamily="34" charset="0"/>
+              <a:buChar char="•"/>
+            </a:pPr>
+            <a:r>
+              <a:rPr lang="fr-FR" dirty="0">
+                <a:solidFill>
+                  <a:srgbClr val="FFFF00"/>
+                </a:solidFill>
+              </a:rPr>
+              <a:t>       Precision: 67%</a:t>
+            </a:r>
+          </a:p>
+          <a:p>
+            <a:pPr marL="342900" indent="-342900" algn="l">
+              <a:buFont typeface="Arial" panose="020B0604020202020204" pitchFamily="34" charset="0"/>
+              <a:buChar char="•"/>
+            </a:pPr>
+            <a:r>
+              <a:rPr lang="fr-FR" dirty="0">
+                <a:solidFill>
+                  <a:srgbClr val="FFFF00"/>
+                </a:solidFill>
+              </a:rPr>
+              <a:t>        Recall: 100%</a:t>
+            </a:r>
+          </a:p>
+        </p:txBody>
+      </p:sp>
+      <p:sp>
+        <p:nvSpPr>
+          <p:cNvPr id="5" name="Slide Number Placeholder 4">
+            <a:extLst>
+              <a:ext uri="{FF2B5EF4-FFF2-40B4-BE49-F238E27FC236}">
+                <a16:creationId xmlns:a16="http://schemas.microsoft.com/office/drawing/2014/main" id="{A3084C2C-BC61-499C-A7DF-D7EE980894BF}"/>
+              </a:ext>
+            </a:extLst>
+          </p:cNvPr>
+          <p:cNvSpPr>
+            <a:spLocks noGrp="1"/>
+          </p:cNvSpPr>
+          <p:nvPr>
+            <p:ph type="sldNum" sz="quarter" idx="12"/>
+          </p:nvPr>
+        </p:nvSpPr>
+        <p:spPr>
+          <a:ln>
+            <a:noFill/>
+          </a:ln>
+        </p:spPr>
+        <p:txBody>
+          <a:bodyPr/>
+          <a:lstStyle/>
+          <a:p>
+            <a:r>
+              <a:rPr lang="en-US" noProof="0" dirty="0">
+                <a:solidFill>
+                  <a:schemeClr val="bg1"/>
+                </a:solidFill>
+              </a:rPr>
+              <a:t>page </a:t>
+            </a:r>
+            <a:fld id="{19B51A1E-902D-48AF-9020-955120F399B6}" type="slidenum">
+              <a:rPr lang="en-US" b="1" i="1" noProof="0" smtClean="0">
+                <a:solidFill>
+                  <a:schemeClr val="bg1"/>
+                </a:solidFill>
+              </a:rPr>
+              <a:pPr/>
+              <a:t>7</a:t>
+            </a:fld>
+            <a:endParaRPr lang="en-US" b="1" i="1" noProof="0" dirty="0">
+              <a:solidFill>
+                <a:schemeClr val="bg1"/>
+              </a:solidFill>
+            </a:endParaRPr>
+          </a:p>
+        </p:txBody>
+      </p:sp>
       <p:pic>
         <p:nvPicPr>
-          <p:cNvPr id="8" name="Picture Placeholder 7" descr="Arial image of table with medical instruments, medicine, a clipboard, and other medical equipment">
-            <a:extLst>
-              <a:ext uri="{FF2B5EF4-FFF2-40B4-BE49-F238E27FC236}">
-                <a16:creationId xmlns:a16="http://schemas.microsoft.com/office/drawing/2014/main" id="{0A756A3F-0F08-4577-8E72-1E643EFB097C}"/>
+          <p:cNvPr id="6" name="Picture 5" descr="A screenshot of a cell phone&#10;&#10;Description automatically generated">
+            <a:extLst>
+              <a:ext uri="{FF2B5EF4-FFF2-40B4-BE49-F238E27FC236}">
+                <a16:creationId xmlns:a16="http://schemas.microsoft.com/office/drawing/2014/main" id="{46A1CD81-D6EB-4018-BC8D-C6CDB0FA13C6}"/>
               </a:ext>
             </a:extLst>
           </p:cNvPr>
           <p:cNvPicPr>
-            <a:picLocks noGrp="1" noChangeAspect="1"/>
+            <a:picLocks noChangeAspect="1"/>
           </p:cNvPicPr>
-          <p:nvPr>
-            <p:ph type="pic" sz="quarter" idx="4294967295"/>
-          </p:nvPr>
+          <p:nvPr/>
         </p:nvPicPr>
         <p:blipFill>
-          <a:blip r:embed="rId3" cstate="screen">
-            <a:extLst>
-              <a:ext uri="{28A0092B-C50C-407E-A947-70E740481C1C}">
-                <a14:useLocalDpi xmlns:a14="http://schemas.microsoft.com/office/drawing/2010/main"/>
-              </a:ext>
-            </a:extLst>
-          </a:blip>
-          <a:srcRect/>
+          <a:blip r:embed="rId2"/>
           <a:stretch>
             <a:fillRect/>
           </a:stretch>
         </p:blipFill>
         <p:spPr>
           <a:xfrm>
-            <a:off x="294426" y="136525"/>
-            <a:ext cx="5259923" cy="6584168"/>
-          </a:xfrm>
-        </p:spPr>
-      </p:pic>
-      <p:sp>
-        <p:nvSpPr>
-          <p:cNvPr id="18" name="Rectangle 17">
-            <a:extLst>
-              <a:ext uri="{FF2B5EF4-FFF2-40B4-BE49-F238E27FC236}">
-                <a16:creationId xmlns:a16="http://schemas.microsoft.com/office/drawing/2014/main" id="{75F2B1C5-78F6-4A28-8883-7C500ADCB7D4}"/>
-              </a:ext>
-              <a:ext uri="{C183D7F6-B498-43B3-948B-1728B52AA6E4}">
-                <adec:decorative xmlns:adec="http://schemas.microsoft.com/office/drawing/2017/decorative" val="1"/>
-              </a:ext>
-            </a:extLst>
-          </p:cNvPr>
-          <p:cNvSpPr/>
-          <p:nvPr/>
-        </p:nvSpPr>
-        <p:spPr bwMode="invGray">
-          <a:xfrm rot="5400000">
-            <a:off x="5271215" y="419661"/>
-            <a:ext cx="6584950" cy="6018679"/>
+            <a:off x="78909" y="1211470"/>
+            <a:ext cx="11975519" cy="3493796"/>
           </a:xfrm>
           <a:prstGeom prst="rect">
             <a:avLst/>
           </a:prstGeom>
-          <a:solidFill>
-            <a:schemeClr val="tx1">
-              <a:alpha val="70000"/>
-            </a:schemeClr>
-          </a:solidFill>
-          <a:ln>
-            <a:noFill/>
-          </a:ln>
-        </p:spPr>
-        <p:style>
-          <a:lnRef idx="2">
-            <a:schemeClr val="accent1">
-              <a:shade val="50000"/>
-            </a:schemeClr>
-          </a:lnRef>
-          <a:fillRef idx="1">
-            <a:schemeClr val="accent1"/>
-          </a:fillRef>
-          <a:effectRef idx="0">
-            <a:schemeClr val="accent1"/>
-          </a:effectRef>
-          <a:fontRef idx="minor">
-            <a:schemeClr val="lt1"/>
-          </a:fontRef>
-        </p:style>
-        <p:txBody>
-          <a:bodyPr rtlCol="0" anchor="ctr"/>
-          <a:lstStyle/>
-          <a:p>
-            <a:pPr algn="ctr"/>
-            <a:endParaRPr lang="en-US" dirty="0"/>
-          </a:p>
-        </p:txBody>
-      </p:sp>
-      <p:sp>
-        <p:nvSpPr>
-          <p:cNvPr id="2" name="Title 1">
-            <a:extLst>
-              <a:ext uri="{FF2B5EF4-FFF2-40B4-BE49-F238E27FC236}">
-                <a16:creationId xmlns:a16="http://schemas.microsoft.com/office/drawing/2014/main" id="{B35ED38B-2505-420A-A14A-D41E71EDBA33}"/>
-              </a:ext>
-            </a:extLst>
-          </p:cNvPr>
-          <p:cNvSpPr>
-            <a:spLocks noGrp="1"/>
-          </p:cNvSpPr>
-          <p:nvPr>
-            <p:ph type="ctrTitle"/>
-          </p:nvPr>
-        </p:nvSpPr>
-        <p:spPr bwMode="black">
-          <a:xfrm>
-            <a:off x="6321400" y="256015"/>
-            <a:ext cx="3769734" cy="925671"/>
-          </a:xfrm>
-        </p:spPr>
-        <p:txBody>
-          <a:bodyPr/>
-          <a:lstStyle/>
-          <a:p>
-            <a:r>
-              <a:rPr lang="en-US" b="1" dirty="0"/>
-              <a:t>Conclusion</a:t>
-            </a:r>
-          </a:p>
-        </p:txBody>
-      </p:sp>
-      <p:sp>
-        <p:nvSpPr>
-          <p:cNvPr id="3" name="Subtitle 2">
-            <a:extLst>
-              <a:ext uri="{FF2B5EF4-FFF2-40B4-BE49-F238E27FC236}">
-                <a16:creationId xmlns:a16="http://schemas.microsoft.com/office/drawing/2014/main" id="{71F217F2-8C36-4584-BD5D-0B00606DF9A2}"/>
-              </a:ext>
-            </a:extLst>
-          </p:cNvPr>
-          <p:cNvSpPr>
-            <a:spLocks noGrp="1"/>
-          </p:cNvSpPr>
-          <p:nvPr>
-            <p:ph type="subTitle" idx="1"/>
-          </p:nvPr>
-        </p:nvSpPr>
-        <p:spPr bwMode="black">
-          <a:xfrm>
-            <a:off x="5795837" y="1301176"/>
-            <a:ext cx="5535706" cy="5154404"/>
-          </a:xfrm>
-        </p:spPr>
-        <p:txBody>
-          <a:bodyPr/>
-          <a:lstStyle/>
-          <a:p>
-            <a:pPr algn="l"/>
-            <a:r>
-              <a:rPr lang="en-US" b="1" dirty="0">
-                <a:solidFill>
-                  <a:schemeClr val="accent1">
-                    <a:lumMod val="60000"/>
-                    <a:lumOff val="40000"/>
-                  </a:schemeClr>
-                </a:solidFill>
-              </a:rPr>
-              <a:t>This study presents a deep Convolutional Neural Network (CNN) based approach for the automatic detection of Pneumonia. We constructed a CNN model from scratch to extract features from a given Chest X-Ray image and classify it to determine if a person is infected with Pneumonia.</a:t>
-            </a:r>
-          </a:p>
-          <a:p>
-            <a:pPr algn="l"/>
-            <a:br>
-              <a:rPr lang="en-US" dirty="0">
-                <a:solidFill>
-                  <a:schemeClr val="accent1">
-                    <a:lumMod val="60000"/>
-                    <a:lumOff val="40000"/>
-                  </a:schemeClr>
-                </a:solidFill>
-              </a:rPr>
-            </a:br>
-            <a:r>
-              <a:rPr lang="en-US" b="1" dirty="0">
-                <a:solidFill>
-                  <a:schemeClr val="accent1">
-                    <a:lumMod val="60000"/>
-                    <a:lumOff val="40000"/>
-                  </a:schemeClr>
-                </a:solidFill>
-              </a:rPr>
-              <a:t>We have demonstrated how to distinguish between Normal and Pneumonia Chest X-Rays with our model having an Accuracy of 89% and a Recall of 90%.</a:t>
-            </a:r>
-            <a:br>
-              <a:rPr lang="en-US" dirty="0">
-                <a:solidFill>
-                  <a:schemeClr val="accent1">
-                    <a:lumMod val="60000"/>
-                    <a:lumOff val="40000"/>
-                  </a:schemeClr>
-                </a:solidFill>
-              </a:rPr>
-            </a:br>
-            <a:endParaRPr lang="en-US" dirty="0">
-              <a:solidFill>
-                <a:schemeClr val="accent1">
-                  <a:lumMod val="60000"/>
-                  <a:lumOff val="40000"/>
-                </a:schemeClr>
-              </a:solidFill>
-            </a:endParaRPr>
-          </a:p>
-        </p:txBody>
-      </p:sp>
-      <p:sp>
-        <p:nvSpPr>
-          <p:cNvPr id="23" name="Slide Number Placeholder 22">
-            <a:extLst>
-              <a:ext uri="{FF2B5EF4-FFF2-40B4-BE49-F238E27FC236}">
-                <a16:creationId xmlns:a16="http://schemas.microsoft.com/office/drawing/2014/main" id="{4D5E33D6-D847-4F4C-BA8B-75CB853FAB76}"/>
-              </a:ext>
-            </a:extLst>
-          </p:cNvPr>
-          <p:cNvSpPr>
-            <a:spLocks noGrp="1"/>
-          </p:cNvSpPr>
-          <p:nvPr>
-            <p:ph type="sldNum" sz="quarter" idx="12"/>
-          </p:nvPr>
-        </p:nvSpPr>
-        <p:spPr>
-          <a:xfrm>
-            <a:off x="11416176" y="6455580"/>
-            <a:ext cx="962795" cy="264330"/>
-          </a:xfrm>
-          <a:ln>
-            <a:noFill/>
-          </a:ln>
-        </p:spPr>
-        <p:txBody>
-          <a:bodyPr/>
-          <a:lstStyle/>
-          <a:p>
-            <a:r>
-              <a:rPr lang="en-US" dirty="0">
-                <a:solidFill>
-                  <a:schemeClr val="bg1"/>
-                </a:solidFill>
-              </a:rPr>
-              <a:t>page </a:t>
-            </a:r>
-            <a:fld id="{19B51A1E-902D-48AF-9020-955120F399B6}" type="slidenum">
-              <a:rPr lang="en-US" smtClean="0">
-                <a:solidFill>
-                  <a:schemeClr val="bg1"/>
-                </a:solidFill>
-              </a:rPr>
-              <a:pPr/>
-              <a:t>7</a:t>
-            </a:fld>
-            <a:endParaRPr lang="en-US" dirty="0">
-              <a:solidFill>
-                <a:schemeClr val="bg1"/>
-              </a:solidFill>
-            </a:endParaRPr>
-          </a:p>
-        </p:txBody>
-      </p:sp>
+        </p:spPr>
+      </p:pic>
     </p:spTree>
     <p:extLst>
       <p:ext uri="{BB962C8B-B14F-4D97-AF65-F5344CB8AC3E}">
-        <p14:creationId xmlns:p14="http://schemas.microsoft.com/office/powerpoint/2010/main" val="2770099390"/>
+        <p14:creationId xmlns:p14="http://schemas.microsoft.com/office/powerpoint/2010/main" val="1009585235"/>
       </p:ext>
     </p:extLst>
   </p:cSld>
@@ -21586,10 +22342,10 @@
       </p:grpSpPr>
       <p:pic>
         <p:nvPicPr>
-          <p:cNvPr id="8" name="Picture Placeholder 7" descr="Image containing medical tweezers of various sizes, some pills, and a hand holding a pen writing on a piece of paper attached to a clipboard">
-            <a:extLst>
-              <a:ext uri="{FF2B5EF4-FFF2-40B4-BE49-F238E27FC236}">
-                <a16:creationId xmlns:a16="http://schemas.microsoft.com/office/drawing/2014/main" id="{58E8F1D1-2E7D-42A1-89B1-02F0157F588D}"/>
+          <p:cNvPr id="8" name="Picture Placeholder 7" descr="Arial image of table with medical instruments, medicine, a clipboard, and other medical equipment">
+            <a:extLst>
+              <a:ext uri="{FF2B5EF4-FFF2-40B4-BE49-F238E27FC236}">
+                <a16:creationId xmlns:a16="http://schemas.microsoft.com/office/drawing/2014/main" id="{0A756A3F-0F08-4577-8E72-1E643EFB097C}"/>
               </a:ext>
             </a:extLst>
           </p:cNvPr>
@@ -21597,7 +22353,7 @@
             <a:picLocks noGrp="1" noChangeAspect="1"/>
           </p:cNvPicPr>
           <p:nvPr>
-            <p:ph type="pic" sz="quarter" idx="10"/>
+            <p:ph type="pic" sz="quarter" idx="4294967295"/>
           </p:nvPr>
         </p:nvPicPr>
         <p:blipFill>
@@ -21615,17 +22371,17 @@
         </p:blipFill>
         <p:spPr>
           <a:xfrm>
-            <a:off x="464754" y="135743"/>
-            <a:ext cx="11014483" cy="6584950"/>
+            <a:off x="294426" y="136525"/>
+            <a:ext cx="5259923" cy="6584168"/>
           </a:xfrm>
         </p:spPr>
       </p:pic>
       <p:sp>
         <p:nvSpPr>
-          <p:cNvPr id="12" name="Rectangle 11">
-            <a:extLst>
-              <a:ext uri="{FF2B5EF4-FFF2-40B4-BE49-F238E27FC236}">
-                <a16:creationId xmlns:a16="http://schemas.microsoft.com/office/drawing/2014/main" id="{1D3F6556-8AF2-4DC2-86FE-E38011E946E6}"/>
+          <p:cNvPr id="18" name="Rectangle 17">
+            <a:extLst>
+              <a:ext uri="{FF2B5EF4-FFF2-40B4-BE49-F238E27FC236}">
+                <a16:creationId xmlns:a16="http://schemas.microsoft.com/office/drawing/2014/main" id="{75F2B1C5-78F6-4A28-8883-7C500ADCB7D4}"/>
               </a:ext>
               <a:ext uri="{C183D7F6-B498-43B3-948B-1728B52AA6E4}">
                 <adec:decorative xmlns:adec="http://schemas.microsoft.com/office/drawing/2017/decorative" val="1"/>
@@ -21637,8 +22393,8 @@
         </p:nvSpPr>
         <p:spPr bwMode="invGray">
           <a:xfrm rot="5400000">
-            <a:off x="5548442" y="396001"/>
-            <a:ext cx="6584950" cy="6064435"/>
+            <a:off x="5271215" y="419661"/>
+            <a:ext cx="6584950" cy="6018679"/>
           </a:xfrm>
           <a:prstGeom prst="rect">
             <a:avLst/>
@@ -21679,10 +22435,10 @@
       </p:sp>
       <p:sp>
         <p:nvSpPr>
-          <p:cNvPr id="3" name="Title 2">
-            <a:extLst>
-              <a:ext uri="{FF2B5EF4-FFF2-40B4-BE49-F238E27FC236}">
-                <a16:creationId xmlns:a16="http://schemas.microsoft.com/office/drawing/2014/main" id="{697DC055-29AA-4AE9-8621-A0765113CDFB}"/>
+          <p:cNvPr id="2" name="Title 1">
+            <a:extLst>
+              <a:ext uri="{FF2B5EF4-FFF2-40B4-BE49-F238E27FC236}">
+                <a16:creationId xmlns:a16="http://schemas.microsoft.com/office/drawing/2014/main" id="{B35ED38B-2505-420A-A14A-D41E71EDBA33}"/>
               </a:ext>
             </a:extLst>
           </p:cNvPr>
@@ -21695,8 +22451,8 @@
         </p:nvSpPr>
         <p:spPr bwMode="black">
           <a:xfrm>
-            <a:off x="5808699" y="400073"/>
-            <a:ext cx="5085650" cy="691666"/>
+            <a:off x="6321400" y="256015"/>
+            <a:ext cx="3769734" cy="925671"/>
           </a:xfrm>
         </p:spPr>
         <p:txBody>
@@ -21705,17 +22461,17 @@
           <a:p>
             <a:r>
               <a:rPr lang="en-US" b="1" dirty="0"/>
-              <a:t>Recommendations:</a:t>
-            </a:r>
-          </a:p>
-        </p:txBody>
-      </p:sp>
-      <p:sp>
-        <p:nvSpPr>
-          <p:cNvPr id="4" name="Subtitle 3">
-            <a:extLst>
-              <a:ext uri="{FF2B5EF4-FFF2-40B4-BE49-F238E27FC236}">
-                <a16:creationId xmlns:a16="http://schemas.microsoft.com/office/drawing/2014/main" id="{4CAFB058-F34E-4FAC-AA90-D1CB170C9984}"/>
+              <a:t>Conclusion</a:t>
+            </a:r>
+          </a:p>
+        </p:txBody>
+      </p:sp>
+      <p:sp>
+        <p:nvSpPr>
+          <p:cNvPr id="3" name="Subtitle 2">
+            <a:extLst>
+              <a:ext uri="{FF2B5EF4-FFF2-40B4-BE49-F238E27FC236}">
+                <a16:creationId xmlns:a16="http://schemas.microsoft.com/office/drawing/2014/main" id="{71F217F2-8C36-4584-BD5D-0B00606DF9A2}"/>
               </a:ext>
             </a:extLst>
           </p:cNvPr>
@@ -21728,8 +22484,8 @@
         </p:nvSpPr>
         <p:spPr bwMode="black">
           <a:xfrm>
-            <a:off x="6194484" y="1218512"/>
-            <a:ext cx="5383228" cy="4419412"/>
+            <a:off x="5795837" y="1301176"/>
+            <a:ext cx="5535706" cy="5154404"/>
           </a:xfrm>
         </p:spPr>
         <p:txBody>
@@ -21740,43 +22496,54 @@
             <a:r>
               <a:rPr lang="en-US" b="1" dirty="0">
                 <a:solidFill>
-                  <a:srgbClr val="FFFF00"/>
+                  <a:schemeClr val="accent1">
+                    <a:lumMod val="60000"/>
+                    <a:lumOff val="40000"/>
+                  </a:schemeClr>
                 </a:solidFill>
               </a:rPr>
-              <a:t>Incorporate our model to see how it works in hospitals so that it can assist health professionals diagnose patients with Pneumonia. </a:t>
-            </a:r>
-          </a:p>
-          <a:p>
-            <a:pPr algn="l"/>
-            <a:r>
-              <a:rPr lang="en-US" b="1" dirty="0">
-                <a:solidFill>
-                  <a:srgbClr val="FFFF00"/>
-                </a:solidFill>
-              </a:rPr>
-              <a:t>Of course these reports must be validated. This is not the ultimate test. This needs to be certified by health professionals.</a:t>
+              <a:t>This study presents a deep Convolutional Neural Network (CNN) based approach for the automatic detection of Pneumonia. We constructed a CNN model from scratch to extract features from a given Chest X-Ray image and classify it to determine if a person is infected with Pneumonia.</a:t>
             </a:r>
           </a:p>
           <a:p>
             <a:pPr algn="l"/>
             <a:br>
-              <a:rPr lang="en-US" b="1" dirty="0">
-                <a:solidFill>
-                  <a:srgbClr val="FFFF00"/>
+              <a:rPr lang="en-US" dirty="0">
+                <a:solidFill>
+                  <a:schemeClr val="accent1">
+                    <a:lumMod val="60000"/>
+                    <a:lumOff val="40000"/>
+                  </a:schemeClr>
                 </a:solidFill>
               </a:rPr>
             </a:br>
             <a:r>
               <a:rPr lang="en-US" b="1" dirty="0">
                 <a:solidFill>
-                  <a:srgbClr val="FFFF00"/>
+                  <a:schemeClr val="accent1">
+                    <a:lumMod val="60000"/>
+                    <a:lumOff val="40000"/>
+                  </a:schemeClr>
                 </a:solidFill>
               </a:rPr>
-              <a:t>This model should be run under the supervision of a radiologist to enhance accuracy/recall to improve treatment outcomes which will increase hospitals ratings and fundings</a:t>
-            </a:r>
+              <a:t>We have demonstrated how to distinguish between Normal and Pneumonia Chest X-Rays with our model having an Accuracy of 89% and a Recall of 90%.</a:t>
+            </a:r>
+            <a:br>
+              <a:rPr lang="en-US" dirty="0">
+                <a:solidFill>
+                  <a:schemeClr val="accent1">
+                    <a:lumMod val="60000"/>
+                    <a:lumOff val="40000"/>
+                  </a:schemeClr>
+                </a:solidFill>
+              </a:rPr>
+            </a:br>
             <a:endParaRPr lang="en-US" dirty="0">
               <a:solidFill>
-                <a:srgbClr val="FFFF00"/>
+                <a:schemeClr val="accent1">
+                  <a:lumMod val="60000"/>
+                  <a:lumOff val="40000"/>
+                </a:schemeClr>
               </a:solidFill>
             </a:endParaRPr>
           </a:p>
@@ -21784,10 +22551,10 @@
       </p:sp>
       <p:sp>
         <p:nvSpPr>
-          <p:cNvPr id="5" name="Slide Number Placeholder 4">
-            <a:extLst>
-              <a:ext uri="{FF2B5EF4-FFF2-40B4-BE49-F238E27FC236}">
-                <a16:creationId xmlns:a16="http://schemas.microsoft.com/office/drawing/2014/main" id="{631703FA-65E2-4E60-B9CE-387169A2F4AE}"/>
+          <p:cNvPr id="23" name="Slide Number Placeholder 22">
+            <a:extLst>
+              <a:ext uri="{FF2B5EF4-FFF2-40B4-BE49-F238E27FC236}">
+                <a16:creationId xmlns:a16="http://schemas.microsoft.com/office/drawing/2014/main" id="{4D5E33D6-D847-4F4C-BA8B-75CB853FAB76}"/>
               </a:ext>
             </a:extLst>
           </p:cNvPr>
@@ -21800,7 +22567,7 @@
         </p:nvSpPr>
         <p:spPr>
           <a:xfrm>
-            <a:off x="11245848" y="6456363"/>
+            <a:off x="11416176" y="6455580"/>
             <a:ext cx="962795" cy="264330"/>
           </a:xfrm>
           <a:ln>
@@ -21820,7 +22587,7 @@
               <a:t>page </a:t>
             </a:r>
             <a:fld id="{19B51A1E-902D-48AF-9020-955120F399B6}" type="slidenum">
-              <a:rPr lang="en-US" b="1" i="1" smtClean="0">
+              <a:rPr lang="en-US" smtClean="0">
                 <a:solidFill>
                   <a:schemeClr val="bg1"/>
                 </a:solidFill>
@@ -21828,7 +22595,7 @@
               <a:pPr/>
               <a:t>8</a:t>
             </a:fld>
-            <a:endParaRPr lang="en-US" b="1" i="1" dirty="0">
+            <a:endParaRPr lang="en-US" dirty="0">
               <a:solidFill>
                 <a:schemeClr val="bg1"/>
               </a:solidFill>
@@ -21836,10 +22603,40 @@
           </a:p>
         </p:txBody>
       </p:sp>
+      <p:pic>
+        <p:nvPicPr>
+          <p:cNvPr id="7" name="Picture 6" descr="A picture containing film, indoor, bottle, sitting&#10;&#10;Description automatically generated">
+            <a:extLst>
+              <a:ext uri="{FF2B5EF4-FFF2-40B4-BE49-F238E27FC236}">
+                <a16:creationId xmlns:a16="http://schemas.microsoft.com/office/drawing/2014/main" id="{C96F469D-65BD-44A7-980F-206794AD676A}"/>
+              </a:ext>
+            </a:extLst>
+          </p:cNvPr>
+          <p:cNvPicPr>
+            <a:picLocks/>
+          </p:cNvPicPr>
+          <p:nvPr/>
+        </p:nvPicPr>
+        <p:blipFill>
+          <a:blip r:embed="rId4"/>
+          <a:stretch>
+            <a:fillRect/>
+          </a:stretch>
+        </p:blipFill>
+        <p:spPr>
+          <a:xfrm>
+            <a:off x="2203387" y="3428609"/>
+            <a:ext cx="1137222" cy="2231136"/>
+          </a:xfrm>
+          <a:prstGeom prst="rect">
+            <a:avLst/>
+          </a:prstGeom>
+        </p:spPr>
+      </p:pic>
     </p:spTree>
     <p:extLst>
       <p:ext uri="{BB962C8B-B14F-4D97-AF65-F5344CB8AC3E}">
-        <p14:creationId xmlns:p14="http://schemas.microsoft.com/office/powerpoint/2010/main" val="833142177"/>
+        <p14:creationId xmlns:p14="http://schemas.microsoft.com/office/powerpoint/2010/main" val="2770099390"/>
       </p:ext>
     </p:extLst>
   </p:cSld>
@@ -21897,8 +22694,8 @@
         </p:blipFill>
         <p:spPr>
           <a:xfrm>
-            <a:off x="460082" y="96318"/>
-            <a:ext cx="11384915" cy="6584950"/>
+            <a:off x="464754" y="135743"/>
+            <a:ext cx="11014483" cy="6584950"/>
           </a:xfrm>
         </p:spPr>
       </p:pic>
@@ -21919,8 +22716,8 @@
         </p:nvSpPr>
         <p:spPr bwMode="invGray">
           <a:xfrm rot="5400000">
-            <a:off x="5430641" y="266912"/>
-            <a:ext cx="6584950" cy="6243762"/>
+            <a:off x="5548442" y="396001"/>
+            <a:ext cx="6584950" cy="6064435"/>
           </a:xfrm>
           <a:prstGeom prst="rect">
             <a:avLst/>
@@ -21977,7 +22774,7 @@
         </p:nvSpPr>
         <p:spPr bwMode="black">
           <a:xfrm>
-            <a:off x="4644632" y="464869"/>
+            <a:off x="5808699" y="400073"/>
             <a:ext cx="5085650" cy="691666"/>
           </a:xfrm>
         </p:spPr>
@@ -21986,10 +22783,9 @@
           <a:lstStyle/>
           <a:p>
             <a:r>
-              <a:rPr lang="en-US" dirty="0"/>
-              <a:t>Future Work</a:t>
-            </a:r>
-            <a:endParaRPr lang="en-US" b="1" dirty="0"/>
+              <a:rPr lang="en-US" b="1" dirty="0"/>
+              <a:t>Recommendations:</a:t>
+            </a:r>
           </a:p>
         </p:txBody>
       </p:sp>
@@ -22011,55 +22807,55 @@
         </p:nvSpPr>
         <p:spPr bwMode="black">
           <a:xfrm>
-            <a:off x="5702169" y="1398670"/>
-            <a:ext cx="6041893" cy="4762979"/>
+            <a:off x="6194484" y="1218512"/>
+            <a:ext cx="5383228" cy="4419412"/>
           </a:xfrm>
         </p:spPr>
         <p:txBody>
           <a:bodyPr/>
           <a:lstStyle/>
           <a:p>
-            <a:pPr algn="ctr"/>
+            <a:pPr algn="l"/>
             <a:r>
               <a:rPr lang="en-US" b="1" dirty="0">
                 <a:solidFill>
-                  <a:srgbClr val="FFC000"/>
+                  <a:srgbClr val="FFFF00"/>
                 </a:solidFill>
               </a:rPr>
               <a:t>Incorporate our model to see how it works in hospitals so that it can assist health professionals diagnose patients with Pneumonia. </a:t>
             </a:r>
           </a:p>
           <a:p>
-            <a:pPr algn="ctr"/>
+            <a:pPr algn="l"/>
             <a:r>
               <a:rPr lang="en-US" b="1" dirty="0">
                 <a:solidFill>
-                  <a:srgbClr val="FFC000"/>
+                  <a:srgbClr val="FFFF00"/>
                 </a:solidFill>
               </a:rPr>
               <a:t>Of course these reports must be validated. This is not the ultimate test. This needs to be certified by health professionals.</a:t>
             </a:r>
           </a:p>
           <a:p>
-            <a:pPr algn="ctr"/>
+            <a:pPr algn="l"/>
             <a:br>
               <a:rPr lang="en-US" b="1" dirty="0">
                 <a:solidFill>
-                  <a:srgbClr val="FFC000"/>
+                  <a:srgbClr val="FFFF00"/>
                 </a:solidFill>
               </a:rPr>
             </a:br>
             <a:r>
               <a:rPr lang="en-US" b="1" dirty="0">
                 <a:solidFill>
-                  <a:srgbClr val="FFC000"/>
+                  <a:srgbClr val="FFFF00"/>
                 </a:solidFill>
               </a:rPr>
-              <a:t>This model should be run under the supervision of a radiologist to enhance accuracy/recall to improve treatment outcomes which will increase hospitals ratings and fundings.</a:t>
+              <a:t>This model should be run under the supervision of a radiologist to enhance accuracy/recall to improve treatment outcomes which will increase hospitals ratings and fundings</a:t>
             </a:r>
             <a:endParaRPr lang="en-US" dirty="0">
               <a:solidFill>
-                <a:srgbClr val="FFC000"/>
+                <a:srgbClr val="FFFF00"/>
               </a:solidFill>
             </a:endParaRPr>
           </a:p>
@@ -22083,7 +22879,7 @@
         </p:nvSpPr>
         <p:spPr>
           <a:xfrm>
-            <a:off x="11250520" y="6416937"/>
+            <a:off x="11245848" y="6456363"/>
             <a:ext cx="962795" cy="264330"/>
           </a:xfrm>
           <a:ln>
@@ -22119,10 +22915,40 @@
           </a:p>
         </p:txBody>
       </p:sp>
+      <p:pic>
+        <p:nvPicPr>
+          <p:cNvPr id="7" name="Picture 6" descr="A picture containing film, indoor, bottle, sitting&#10;&#10;Description automatically generated">
+            <a:extLst>
+              <a:ext uri="{FF2B5EF4-FFF2-40B4-BE49-F238E27FC236}">
+                <a16:creationId xmlns:a16="http://schemas.microsoft.com/office/drawing/2014/main" id="{4759A9AF-73C3-4F44-A268-844035FCE6EC}"/>
+              </a:ext>
+            </a:extLst>
+          </p:cNvPr>
+          <p:cNvPicPr>
+            <a:picLocks/>
+          </p:cNvPicPr>
+          <p:nvPr/>
+        </p:nvPicPr>
+        <p:blipFill>
+          <a:blip r:embed="rId4"/>
+          <a:stretch>
+            <a:fillRect/>
+          </a:stretch>
+        </p:blipFill>
+        <p:spPr>
+          <a:xfrm rot="19857110">
+            <a:off x="1429903" y="1876009"/>
+            <a:ext cx="2063813" cy="1865376"/>
+          </a:xfrm>
+          <a:prstGeom prst="rect">
+            <a:avLst/>
+          </a:prstGeom>
+        </p:spPr>
+      </p:pic>
     </p:spTree>
     <p:extLst>
       <p:ext uri="{BB962C8B-B14F-4D97-AF65-F5344CB8AC3E}">
-        <p14:creationId xmlns:p14="http://schemas.microsoft.com/office/powerpoint/2010/main" val="2205769443"/>
+        <p14:creationId xmlns:p14="http://schemas.microsoft.com/office/powerpoint/2010/main" val="833142177"/>
       </p:ext>
     </p:extLst>
   </p:cSld>
@@ -23027,15 +23853,6 @@
 </file>
 
 <file path=customXml/item2.xml><?xml version="1.0" encoding="utf-8"?>
-<?mso-contentType ?>
-<FormTemplates xmlns="http://schemas.microsoft.com/sharepoint/v3/contenttype/forms">
-  <Display>DocumentLibraryForm</Display>
-  <Edit>DocumentLibraryForm</Edit>
-  <New>DocumentLibraryForm</New>
-</FormTemplates>
-</file>
-
-<file path=customXml/item3.xml><?xml version="1.0" encoding="utf-8"?>
 <ct:contentTypeSchema xmlns:ct="http://schemas.microsoft.com/office/2006/metadata/contentType" xmlns:ma="http://schemas.microsoft.com/office/2006/metadata/properties/metaAttributes" ct:_="" ma:_="" ma:contentTypeName="Document" ma:contentTypeID="0x01010079F111ED35F8CC479449609E8A0923A6" ma:contentTypeVersion="11" ma:contentTypeDescription="Create a new document." ma:contentTypeScope="" ma:versionID="9677210f24a1be23c92c90fd886aa0aa">
   <xsd:schema xmlns:xsd="http://www.w3.org/2001/XMLSchema" xmlns:xs="http://www.w3.org/2001/XMLSchema" xmlns:p="http://schemas.microsoft.com/office/2006/metadata/properties" xmlns:ns2="71af3243-3dd4-4a8d-8c0d-dd76da1f02a5" xmlns:ns3="16c05727-aa75-4e4a-9b5f-8a80a1165891" targetNamespace="http://schemas.microsoft.com/office/2006/metadata/properties" ma:root="true" ma:fieldsID="60e05723c5c1908df1a1a4ebf11d344e" ns2:_="" ns3:_="">
     <xsd:import namespace="71af3243-3dd4-4a8d-8c0d-dd76da1f02a5"/>
@@ -23246,25 +24063,33 @@
 </ct:contentTypeSchema>
 </file>
 
+<file path=customXml/item3.xml><?xml version="1.0" encoding="utf-8"?>
+<?mso-contentType ?>
+<FormTemplates xmlns="http://schemas.microsoft.com/sharepoint/v3/contenttype/forms">
+  <Display>DocumentLibraryForm</Display>
+  <Edit>DocumentLibraryForm</Edit>
+  <New>DocumentLibraryForm</New>
+</FormTemplates>
+</file>
+
 <file path=customXml/itemProps1.xml><?xml version="1.0" encoding="utf-8"?>
 <ds:datastoreItem xmlns:ds="http://schemas.openxmlformats.org/officeDocument/2006/customXml" ds:itemID="{270A2AAC-D70B-4233-9389-268D6896774D}">
   <ds:schemaRefs>
+    <ds:schemaRef ds:uri="http://www.w3.org/XML/1998/namespace"/>
+    <ds:schemaRef ds:uri="http://schemas.microsoft.com/office/2006/documentManagement/types"/>
+    <ds:schemaRef ds:uri="http://purl.org/dc/terms/"/>
+    <ds:schemaRef ds:uri="71af3243-3dd4-4a8d-8c0d-dd76da1f02a5"/>
+    <ds:schemaRef ds:uri="http://schemas.openxmlformats.org/package/2006/metadata/core-properties"/>
+    <ds:schemaRef ds:uri="http://purl.org/dc/elements/1.1/"/>
+    <ds:schemaRef ds:uri="http://schemas.microsoft.com/office/infopath/2007/PartnerControls"/>
+    <ds:schemaRef ds:uri="16c05727-aa75-4e4a-9b5f-8a80a1165891"/>
     <ds:schemaRef ds:uri="http://schemas.microsoft.com/office/2006/metadata/properties"/>
-    <ds:schemaRef ds:uri="http://schemas.microsoft.com/office/infopath/2007/PartnerControls"/>
-    <ds:schemaRef ds:uri="71af3243-3dd4-4a8d-8c0d-dd76da1f02a5"/>
+    <ds:schemaRef ds:uri="http://purl.org/dc/dcmitype/"/>
   </ds:schemaRefs>
 </ds:datastoreItem>
 </file>
 
 <file path=customXml/itemProps2.xml><?xml version="1.0" encoding="utf-8"?>
-<ds:datastoreItem xmlns:ds="http://schemas.openxmlformats.org/officeDocument/2006/customXml" ds:itemID="{5FFFEA1C-4D28-422A-816B-51B2F61D85DA}">
-  <ds:schemaRefs>
-    <ds:schemaRef ds:uri="http://schemas.microsoft.com/sharepoint/v3/contenttype/forms"/>
-  </ds:schemaRefs>
-</ds:datastoreItem>
-</file>
-
-<file path=customXml/itemProps3.xml><?xml version="1.0" encoding="utf-8"?>
 <ds:datastoreItem xmlns:ds="http://schemas.openxmlformats.org/officeDocument/2006/customXml" ds:itemID="{172D1CBC-A6D2-4C27-A0DD-244AE04E36B7}">
   <ds:schemaRefs>
     <ds:schemaRef ds:uri="http://schemas.microsoft.com/office/2006/metadata/contentType"/>
@@ -23281,4 +24106,12 @@
     <ds:schemaRef ds:uri="http://schemas.microsoft.com/internal/obd"/>
   </ds:schemaRefs>
 </ds:datastoreItem>
+</file>
+
+<file path=customXml/itemProps3.xml><?xml version="1.0" encoding="utf-8"?>
+<ds:datastoreItem xmlns:ds="http://schemas.openxmlformats.org/officeDocument/2006/customXml" ds:itemID="{5FFFEA1C-4D28-422A-816B-51B2F61D85DA}">
+  <ds:schemaRefs>
+    <ds:schemaRef ds:uri="http://schemas.microsoft.com/sharepoint/v3/contenttype/forms"/>
+  </ds:schemaRefs>
+</ds:datastoreItem>
 </file>
--- a/ppt/Pneumonia_detection.pptx
+++ b/ppt/Pneumonia_detection.pptx
@@ -19562,36 +19562,6 @@
           </a:p>
         </p:txBody>
       </p:sp>
-      <p:pic>
-        <p:nvPicPr>
-          <p:cNvPr id="5" name="Picture 4" descr="A picture containing film, close, standing, laying&#10;&#10;Description automatically generated">
-            <a:extLst>
-              <a:ext uri="{FF2B5EF4-FFF2-40B4-BE49-F238E27FC236}">
-                <a16:creationId xmlns:a16="http://schemas.microsoft.com/office/drawing/2014/main" id="{5B0DA19D-5682-49FA-9BAC-0AB97FA0605E}"/>
-              </a:ext>
-            </a:extLst>
-          </p:cNvPr>
-          <p:cNvPicPr>
-            <a:picLocks/>
-          </p:cNvPicPr>
-          <p:nvPr/>
-        </p:nvPicPr>
-        <p:blipFill>
-          <a:blip r:embed="rId4"/>
-          <a:stretch>
-            <a:fillRect/>
-          </a:stretch>
-        </p:blipFill>
-        <p:spPr>
-          <a:xfrm>
-            <a:off x="127001" y="136525"/>
-            <a:ext cx="5455567" cy="6584674"/>
-          </a:xfrm>
-          <a:prstGeom prst="rect">
-            <a:avLst/>
-          </a:prstGeom>
-        </p:spPr>
-      </p:pic>
     </p:spTree>
     <p:extLst>
       <p:ext uri="{BB962C8B-B14F-4D97-AF65-F5344CB8AC3E}">
@@ -19775,47 +19745,52 @@
           <a:bodyPr/>
           <a:lstStyle/>
           <a:p>
+            <a:endParaRPr lang="en-US" b="1" dirty="0"/>
+          </a:p>
+          <a:p>
             <a:pPr algn="ctr"/>
             <a:r>
               <a:rPr lang="en-US" b="1" dirty="0">
                 <a:solidFill>
-                  <a:srgbClr val="FFC000"/>
+                  <a:schemeClr val="accent2">
+                    <a:lumMod val="40000"/>
+                    <a:lumOff val="60000"/>
+                  </a:schemeClr>
                 </a:solidFill>
               </a:rPr>
-              <a:t>Incorporate our model to see how it works in hospitals so that it can assist health professionals diagnose patients with Pneumonia. </a:t>
+              <a:t>We need more data to run our validation set on so that we can be sure of the way the model is predicting.</a:t>
             </a:r>
           </a:p>
           <a:p>
             <a:pPr algn="ctr"/>
+            <a:endParaRPr lang="en-US" b="1" dirty="0">
+              <a:solidFill>
+                <a:schemeClr val="accent2">
+                  <a:lumMod val="40000"/>
+                  <a:lumOff val="60000"/>
+                </a:schemeClr>
+              </a:solidFill>
+            </a:endParaRPr>
+          </a:p>
+          <a:p>
+            <a:pPr algn="ctr"/>
             <a:r>
               <a:rPr lang="en-US" b="1" dirty="0">
                 <a:solidFill>
-                  <a:srgbClr val="FFC000"/>
+                  <a:schemeClr val="accent2">
+                    <a:lumMod val="40000"/>
+                    <a:lumOff val="60000"/>
+                  </a:schemeClr>
                 </a:solidFill>
               </a:rPr>
-              <a:t>Of course these reports must be validated. This is not the ultimate test. This needs to be certified by health professionals.</a:t>
-            </a:r>
-          </a:p>
-          <a:p>
-            <a:pPr algn="ctr"/>
-            <a:br>
-              <a:rPr lang="en-US" b="1" dirty="0">
-                <a:solidFill>
-                  <a:srgbClr val="FFC000"/>
-                </a:solidFill>
-              </a:rPr>
-            </a:br>
-            <a:r>
-              <a:rPr lang="en-US" b="1" dirty="0">
-                <a:solidFill>
-                  <a:srgbClr val="FFC000"/>
-                </a:solidFill>
-              </a:rPr>
-              <a:t>This model should be run under the supervision of a radiologist to enhance accuracy/recall to improve treatment outcomes which will increase hospitals ratings and fundings.</a:t>
+              <a:t>Also, work towards getting our Transfer Learning model to work better.</a:t>
             </a:r>
             <a:endParaRPr lang="en-US" dirty="0">
               <a:solidFill>
-                <a:srgbClr val="FFC000"/>
+                <a:schemeClr val="accent2">
+                  <a:lumMod val="40000"/>
+                  <a:lumOff val="60000"/>
+                </a:schemeClr>
               </a:solidFill>
             </a:endParaRPr>
           </a:p>
@@ -19875,36 +19850,6 @@
           </a:p>
         </p:txBody>
       </p:sp>
-      <p:pic>
-        <p:nvPicPr>
-          <p:cNvPr id="7" name="Picture 6" descr="A picture containing film, indoor, bottle, sitting&#10;&#10;Description automatically generated">
-            <a:extLst>
-              <a:ext uri="{FF2B5EF4-FFF2-40B4-BE49-F238E27FC236}">
-                <a16:creationId xmlns:a16="http://schemas.microsoft.com/office/drawing/2014/main" id="{FDFB7452-CDA1-40CD-A9D4-D830AF56A1DB}"/>
-              </a:ext>
-            </a:extLst>
-          </p:cNvPr>
-          <p:cNvPicPr>
-            <a:picLocks/>
-          </p:cNvPicPr>
-          <p:nvPr/>
-        </p:nvPicPr>
-        <p:blipFill>
-          <a:blip r:embed="rId4"/>
-          <a:stretch>
-            <a:fillRect/>
-          </a:stretch>
-        </p:blipFill>
-        <p:spPr>
-          <a:xfrm rot="20134130">
-            <a:off x="1584081" y="1918539"/>
-            <a:ext cx="2063813" cy="1865376"/>
-          </a:xfrm>
-          <a:prstGeom prst="rect">
-            <a:avLst/>
-          </a:prstGeom>
-        </p:spPr>
-      </p:pic>
     </p:spTree>
     <p:extLst>
       <p:ext uri="{BB962C8B-B14F-4D97-AF65-F5344CB8AC3E}">
@@ -20046,8 +19991,8 @@
         </p:nvSpPr>
         <p:spPr>
           <a:xfrm>
-            <a:off x="6004703" y="176180"/>
-            <a:ext cx="5085650" cy="1870007"/>
+            <a:off x="5798302" y="900435"/>
+            <a:ext cx="5276725" cy="1870007"/>
           </a:xfrm>
         </p:spPr>
         <p:txBody>
@@ -20079,8 +20024,8 @@
         </p:nvSpPr>
         <p:spPr>
           <a:xfrm>
-            <a:off x="7803858" y="5013354"/>
-            <a:ext cx="2856061" cy="956603"/>
+            <a:off x="6161649" y="5387809"/>
+            <a:ext cx="4681330" cy="956603"/>
           </a:xfrm>
         </p:spPr>
         <p:txBody>
@@ -20088,66 +20033,25 @@
           <a:lstStyle/>
           <a:p>
             <a:r>
+              <a:rPr lang="en-US" sz="2400" b="1" dirty="0"/>
+              <a:t>Any Questions </a:t>
+            </a:r>
+            <a:r>
               <a:rPr lang="en-US" sz="2400" b="1" dirty="0">
-                <a:solidFill>
-                  <a:srgbClr val="FFFF00"/>
-                </a:solidFill>
-              </a:rPr>
-              <a:t>Any Questions </a:t>
-            </a:r>
-            <a:r>
-              <a:rPr lang="en-US" sz="2400" b="1" dirty="0">
-                <a:solidFill>
-                  <a:srgbClr val="FFFF00"/>
-                </a:solidFill>
                 <a:sym typeface="Wingdings" panose="05000000000000000000" pitchFamily="2" charset="2"/>
               </a:rPr>
               <a:t></a:t>
             </a:r>
             <a:r>
-              <a:rPr lang="en-US" sz="2400" b="1" dirty="0">
-                <a:solidFill>
-                  <a:srgbClr val="FFFF00"/>
-                </a:solidFill>
-              </a:rPr>
+              <a:rPr lang="en-US" sz="2400" b="1" dirty="0"/>
               <a:t> ???</a:t>
             </a:r>
           </a:p>
         </p:txBody>
       </p:sp>
-      <p:pic>
-        <p:nvPicPr>
-          <p:cNvPr id="6" name="Picture 5" descr="A picture containing film, indoor, bottle, sitting&#10;&#10;Description automatically generated">
-            <a:extLst>
-              <a:ext uri="{FF2B5EF4-FFF2-40B4-BE49-F238E27FC236}">
-                <a16:creationId xmlns:a16="http://schemas.microsoft.com/office/drawing/2014/main" id="{F6778986-82A5-4B15-A0F0-B6D219BA640F}"/>
-              </a:ext>
-            </a:extLst>
-          </p:cNvPr>
-          <p:cNvPicPr>
-            <a:picLocks/>
-          </p:cNvPicPr>
-          <p:nvPr/>
-        </p:nvPicPr>
-        <p:blipFill>
-          <a:blip r:embed="rId4"/>
-          <a:stretch>
-            <a:fillRect/>
-          </a:stretch>
-        </p:blipFill>
-        <p:spPr>
-          <a:xfrm rot="20160463">
-            <a:off x="1462242" y="1900392"/>
-            <a:ext cx="2063813" cy="1865376"/>
-          </a:xfrm>
-          <a:prstGeom prst="rect">
-            <a:avLst/>
-          </a:prstGeom>
-        </p:spPr>
-      </p:pic>
-      <p:sp>
-        <p:nvSpPr>
-          <p:cNvPr id="9" name="Subtitle 3">
+      <p:sp>
+        <p:nvSpPr>
+          <p:cNvPr id="6" name="Subtitle 3">
             <a:extLst>
               <a:ext uri="{FF2B5EF4-FFF2-40B4-BE49-F238E27FC236}">
                 <a16:creationId xmlns:a16="http://schemas.microsoft.com/office/drawing/2014/main" id="{81D4D4A1-9BF0-4F1D-A8DD-F313309D5A28}"/>
@@ -20161,7 +20065,7 @@
         </p:nvSpPr>
         <p:spPr>
           <a:xfrm>
-            <a:off x="7944646" y="2881437"/>
+            <a:off x="7705897" y="3225993"/>
             <a:ext cx="3051984" cy="1774969"/>
           </a:xfrm>
           <a:prstGeom prst="rect">
@@ -20173,118 +20077,61 @@
             <a:noAutofit/>
           </a:bodyPr>
           <a:lstStyle>
-            <a:lvl1pPr marL="0" indent="0" algn="r" defTabSz="914400" rtl="0" eaLnBrk="1" latinLnBrk="0" hangingPunct="1">
-              <a:lnSpc>
-                <a:spcPct val="90000"/>
-              </a:lnSpc>
-              <a:spcBef>
-                <a:spcPts val="1000"/>
-              </a:spcBef>
-              <a:buFont typeface="Arial" panose="020B0604020202020204" pitchFamily="34" charset="0"/>
-              <a:buNone/>
-              <a:defRPr sz="1600" kern="1200">
-                <a:solidFill>
-                  <a:schemeClr val="bg1"/>
+            <a:defPPr>
+              <a:defRPr lang="en-US"/>
+            </a:defPPr>
+            <a:lvl1pPr marL="0" algn="l" defTabSz="914400" rtl="0" eaLnBrk="1" latinLnBrk="0" hangingPunct="1">
+              <a:defRPr sz="1800" kern="1200">
+                <a:solidFill>
+                  <a:schemeClr val="tx1"/>
                 </a:solidFill>
                 <a:latin typeface="+mn-lt"/>
                 <a:ea typeface="+mn-ea"/>
                 <a:cs typeface="+mn-cs"/>
               </a:defRPr>
             </a:lvl1pPr>
-            <a:lvl2pPr marL="457200" indent="0" algn="ctr" defTabSz="914400" rtl="0" eaLnBrk="1" latinLnBrk="0" hangingPunct="1">
-              <a:lnSpc>
-                <a:spcPct val="90000"/>
-              </a:lnSpc>
-              <a:spcBef>
-                <a:spcPts val="500"/>
-              </a:spcBef>
-              <a:buFont typeface="Arial" panose="020B0604020202020204" pitchFamily="34" charset="0"/>
-              <a:buNone/>
-              <a:defRPr sz="2000" kern="1200">
-                <a:solidFill>
-                  <a:schemeClr val="tx1">
-                    <a:lumMod val="75000"/>
-                    <a:lumOff val="25000"/>
-                  </a:schemeClr>
+            <a:lvl2pPr marL="457200" algn="l" defTabSz="914400" rtl="0" eaLnBrk="1" latinLnBrk="0" hangingPunct="1">
+              <a:defRPr sz="1800" kern="1200">
+                <a:solidFill>
+                  <a:schemeClr val="tx1"/>
                 </a:solidFill>
                 <a:latin typeface="+mn-lt"/>
                 <a:ea typeface="+mn-ea"/>
                 <a:cs typeface="+mn-cs"/>
               </a:defRPr>
             </a:lvl2pPr>
-            <a:lvl3pPr marL="914400" indent="0" algn="ctr" defTabSz="914400" rtl="0" eaLnBrk="1" latinLnBrk="0" hangingPunct="1">
-              <a:lnSpc>
-                <a:spcPct val="90000"/>
-              </a:lnSpc>
-              <a:spcBef>
-                <a:spcPts val="500"/>
-              </a:spcBef>
-              <a:buFont typeface="Arial" panose="020B0604020202020204" pitchFamily="34" charset="0"/>
-              <a:buNone/>
+            <a:lvl3pPr marL="914400" algn="l" defTabSz="914400" rtl="0" eaLnBrk="1" latinLnBrk="0" hangingPunct="1">
               <a:defRPr sz="1800" kern="1200">
                 <a:solidFill>
-                  <a:schemeClr val="tx1">
-                    <a:lumMod val="75000"/>
-                    <a:lumOff val="25000"/>
-                  </a:schemeClr>
+                  <a:schemeClr val="tx1"/>
                 </a:solidFill>
                 <a:latin typeface="+mn-lt"/>
                 <a:ea typeface="+mn-ea"/>
                 <a:cs typeface="+mn-cs"/>
               </a:defRPr>
             </a:lvl3pPr>
-            <a:lvl4pPr marL="1371600" indent="0" algn="ctr" defTabSz="914400" rtl="0" eaLnBrk="1" latinLnBrk="0" hangingPunct="1">
-              <a:lnSpc>
-                <a:spcPct val="90000"/>
-              </a:lnSpc>
-              <a:spcBef>
-                <a:spcPts val="500"/>
-              </a:spcBef>
-              <a:buFont typeface="Arial" panose="020B0604020202020204" pitchFamily="34" charset="0"/>
-              <a:buNone/>
-              <a:defRPr sz="1600" kern="1200">
-                <a:solidFill>
-                  <a:schemeClr val="tx1">
-                    <a:lumMod val="75000"/>
-                    <a:lumOff val="25000"/>
-                  </a:schemeClr>
+            <a:lvl4pPr marL="1371600" algn="l" defTabSz="914400" rtl="0" eaLnBrk="1" latinLnBrk="0" hangingPunct="1">
+              <a:defRPr sz="1800" kern="1200">
+                <a:solidFill>
+                  <a:schemeClr val="tx1"/>
                 </a:solidFill>
                 <a:latin typeface="+mn-lt"/>
                 <a:ea typeface="+mn-ea"/>
                 <a:cs typeface="+mn-cs"/>
               </a:defRPr>
             </a:lvl4pPr>
-            <a:lvl5pPr marL="1828800" indent="0" algn="ctr" defTabSz="914400" rtl="0" eaLnBrk="1" latinLnBrk="0" hangingPunct="1">
-              <a:lnSpc>
-                <a:spcPct val="90000"/>
-              </a:lnSpc>
-              <a:spcBef>
-                <a:spcPts val="500"/>
-              </a:spcBef>
-              <a:buFont typeface="Arial" panose="020B0604020202020204" pitchFamily="34" charset="0"/>
-              <a:buNone/>
-              <a:defRPr sz="1600" kern="1200">
-                <a:solidFill>
-                  <a:schemeClr val="tx1">
-                    <a:lumMod val="75000"/>
-                    <a:lumOff val="25000"/>
-                  </a:schemeClr>
+            <a:lvl5pPr marL="1828800" algn="l" defTabSz="914400" rtl="0" eaLnBrk="1" latinLnBrk="0" hangingPunct="1">
+              <a:defRPr sz="1800" kern="1200">
+                <a:solidFill>
+                  <a:schemeClr val="tx1"/>
                 </a:solidFill>
                 <a:latin typeface="+mn-lt"/>
                 <a:ea typeface="+mn-ea"/>
                 <a:cs typeface="+mn-cs"/>
               </a:defRPr>
             </a:lvl5pPr>
-            <a:lvl6pPr marL="2286000" indent="0" algn="ctr" defTabSz="914400" rtl="0" eaLnBrk="1" latinLnBrk="0" hangingPunct="1">
-              <a:lnSpc>
-                <a:spcPct val="90000"/>
-              </a:lnSpc>
-              <a:spcBef>
-                <a:spcPts val="500"/>
-              </a:spcBef>
-              <a:buFont typeface="Arial" panose="020B0604020202020204" pitchFamily="34" charset="0"/>
-              <a:buNone/>
-              <a:defRPr sz="1600" kern="1200">
+            <a:lvl6pPr marL="2286000" algn="l" defTabSz="914400" rtl="0" eaLnBrk="1" latinLnBrk="0" hangingPunct="1">
+              <a:defRPr sz="1800" kern="1200">
                 <a:solidFill>
                   <a:schemeClr val="tx1"/>
                 </a:solidFill>
@@ -20293,16 +20140,8 @@
                 <a:cs typeface="+mn-cs"/>
               </a:defRPr>
             </a:lvl6pPr>
-            <a:lvl7pPr marL="2743200" indent="0" algn="ctr" defTabSz="914400" rtl="0" eaLnBrk="1" latinLnBrk="0" hangingPunct="1">
-              <a:lnSpc>
-                <a:spcPct val="90000"/>
-              </a:lnSpc>
-              <a:spcBef>
-                <a:spcPts val="500"/>
-              </a:spcBef>
-              <a:buFont typeface="Arial" panose="020B0604020202020204" pitchFamily="34" charset="0"/>
-              <a:buNone/>
-              <a:defRPr sz="1600" kern="1200">
+            <a:lvl7pPr marL="2743200" algn="l" defTabSz="914400" rtl="0" eaLnBrk="1" latinLnBrk="0" hangingPunct="1">
+              <a:defRPr sz="1800" kern="1200">
                 <a:solidFill>
                   <a:schemeClr val="tx1"/>
                 </a:solidFill>
@@ -20311,16 +20150,8 @@
                 <a:cs typeface="+mn-cs"/>
               </a:defRPr>
             </a:lvl7pPr>
-            <a:lvl8pPr marL="3200400" indent="0" algn="ctr" defTabSz="914400" rtl="0" eaLnBrk="1" latinLnBrk="0" hangingPunct="1">
-              <a:lnSpc>
-                <a:spcPct val="90000"/>
-              </a:lnSpc>
-              <a:spcBef>
-                <a:spcPts val="500"/>
-              </a:spcBef>
-              <a:buFont typeface="Arial" panose="020B0604020202020204" pitchFamily="34" charset="0"/>
-              <a:buNone/>
-              <a:defRPr sz="1600" kern="1200">
+            <a:lvl8pPr marL="3200400" algn="l" defTabSz="914400" rtl="0" eaLnBrk="1" latinLnBrk="0" hangingPunct="1">
+              <a:defRPr sz="1800" kern="1200">
                 <a:solidFill>
                   <a:schemeClr val="tx1"/>
                 </a:solidFill>
@@ -20329,16 +20160,8 @@
                 <a:cs typeface="+mn-cs"/>
               </a:defRPr>
             </a:lvl8pPr>
-            <a:lvl9pPr marL="3657600" indent="0" algn="ctr" defTabSz="914400" rtl="0" eaLnBrk="1" latinLnBrk="0" hangingPunct="1">
-              <a:lnSpc>
-                <a:spcPct val="90000"/>
-              </a:lnSpc>
-              <a:spcBef>
-                <a:spcPts val="500"/>
-              </a:spcBef>
-              <a:buFont typeface="Arial" panose="020B0604020202020204" pitchFamily="34" charset="0"/>
-              <a:buNone/>
-              <a:defRPr sz="1600" kern="1200">
+            <a:lvl9pPr marL="3657600" algn="l" defTabSz="914400" rtl="0" eaLnBrk="1" latinLnBrk="0" hangingPunct="1">
+              <a:defRPr sz="1800" kern="1200">
                 <a:solidFill>
                   <a:schemeClr val="tx1"/>
                 </a:solidFill>
@@ -20354,14 +20177,26 @@
               <a:buChar char="•"/>
             </a:pPr>
             <a:r>
-              <a:rPr lang="en-US" sz="2400" b="1" dirty="0"/>
+              <a:rPr lang="en-US" sz="2400" b="1" dirty="0">
+                <a:solidFill>
+                  <a:srgbClr val="92D050"/>
+                </a:solidFill>
+              </a:rPr>
               <a:t>Amber </a:t>
             </a:r>
             <a:r>
-              <a:rPr lang="en-US" sz="2400" b="1" dirty="0" err="1"/>
+              <a:rPr lang="en-US" sz="2400" b="1" dirty="0" err="1">
+                <a:solidFill>
+                  <a:srgbClr val="92D050"/>
+                </a:solidFill>
+              </a:rPr>
               <a:t>Yandow</a:t>
             </a:r>
-            <a:endParaRPr lang="en-US" sz="2400" b="1" dirty="0"/>
+            <a:endParaRPr lang="en-US" sz="2400" b="1" dirty="0">
+              <a:solidFill>
+                <a:srgbClr val="92D050"/>
+              </a:solidFill>
+            </a:endParaRPr>
           </a:p>
           <a:p>
             <a:pPr marL="342900" indent="-342900" algn="l">
@@ -20369,7 +20204,11 @@
               <a:buChar char="•"/>
             </a:pPr>
             <a:r>
-              <a:rPr lang="en-US" sz="2400" b="1" dirty="0"/>
+              <a:rPr lang="en-US" sz="2400" b="1" dirty="0">
+                <a:solidFill>
+                  <a:srgbClr val="92D050"/>
+                </a:solidFill>
+              </a:rPr>
               <a:t>Ben Jacobson</a:t>
             </a:r>
           </a:p>
@@ -20379,188 +20218,48 @@
               <a:buChar char="•"/>
             </a:pPr>
             <a:r>
-              <a:rPr lang="en-US" sz="2400" b="1" dirty="0" err="1"/>
+              <a:rPr lang="en-US" sz="2400" b="1" dirty="0" err="1">
+                <a:solidFill>
+                  <a:srgbClr val="92D050"/>
+                </a:solidFill>
+              </a:rPr>
               <a:t>Luay</a:t>
             </a:r>
             <a:r>
-              <a:rPr lang="en-US" sz="2400" b="1" dirty="0"/>
+              <a:rPr lang="en-US" sz="2400" b="1" dirty="0">
+                <a:solidFill>
+                  <a:srgbClr val="92D050"/>
+                </a:solidFill>
+              </a:rPr>
               <a:t> </a:t>
             </a:r>
             <a:r>
-              <a:rPr lang="en-US" sz="2400" b="1" dirty="0" err="1"/>
+              <a:rPr lang="en-US" sz="2400" b="1" dirty="0" err="1">
+                <a:solidFill>
+                  <a:srgbClr val="92D050"/>
+                </a:solidFill>
+              </a:rPr>
               <a:t>Matalka</a:t>
             </a:r>
-            <a:endParaRPr lang="en-US" sz="2400" b="1" dirty="0"/>
-          </a:p>
-        </p:txBody>
-      </p:sp>
-      <p:sp>
-        <p:nvSpPr>
-          <p:cNvPr id="5" name="Rectangle 1">
-            <a:extLst>
-              <a:ext uri="{FF2B5EF4-FFF2-40B4-BE49-F238E27FC236}">
-                <a16:creationId xmlns:a16="http://schemas.microsoft.com/office/drawing/2014/main" id="{44AAEDF5-196D-4C35-BD3E-3F3F947AB51F}"/>
-              </a:ext>
-            </a:extLst>
-          </p:cNvPr>
-          <p:cNvSpPr>
-            <a:spLocks noChangeArrowheads="1"/>
-          </p:cNvSpPr>
-          <p:nvPr/>
-        </p:nvSpPr>
-        <p:spPr bwMode="auto">
-          <a:xfrm>
-            <a:off x="152400" y="152400"/>
-            <a:ext cx="12192000" cy="0"/>
-          </a:xfrm>
-          <a:prstGeom prst="rect">
-            <a:avLst/>
-          </a:prstGeom>
-          <a:noFill/>
-          <a:ln>
-            <a:noFill/>
-          </a:ln>
-          <a:effectLst/>
-          <a:extLst>
-            <a:ext uri="{909E8E84-426E-40DD-AFC4-6F175D3DCCD1}">
-              <a14:hiddenFill xmlns:a14="http://schemas.microsoft.com/office/drawing/2010/main">
-                <a:solidFill>
-                  <a:schemeClr val="accent1"/>
-                </a:solidFill>
-              </a14:hiddenFill>
-            </a:ext>
-            <a:ext uri="{91240B29-F687-4F45-9708-019B960494DF}">
-              <a14:hiddenLine xmlns:a14="http://schemas.microsoft.com/office/drawing/2010/main" w="9525">
-                <a:solidFill>
-                  <a:schemeClr val="tx1"/>
-                </a:solidFill>
-                <a:miter lim="800000"/>
-                <a:headEnd/>
-                <a:tailEnd/>
-              </a14:hiddenLine>
-            </a:ext>
-            <a:ext uri="{AF507438-7753-43E0-B8FC-AC1667EBCBE1}">
-              <a14:hiddenEffects xmlns:a14="http://schemas.microsoft.com/office/drawing/2010/main">
-                <a:effectLst>
-                  <a:outerShdw dist="35921" dir="2700000" algn="ctr" rotWithShape="0">
-                    <a:schemeClr val="bg2"/>
-                  </a:outerShdw>
-                </a:effectLst>
-              </a14:hiddenEffects>
-            </a:ext>
-          </a:extLst>
-        </p:spPr>
-        <p:txBody>
-          <a:bodyPr vert="horz" wrap="none" lIns="25392" tIns="45720" rIns="91440" bIns="45720" numCol="1" anchor="ctr" anchorCtr="0" compatLnSpc="1">
-            <a:prstTxWarp prst="textNoShape">
-              <a:avLst/>
-            </a:prstTxWarp>
-            <a:spAutoFit/>
-          </a:bodyPr>
-          <a:lstStyle/>
-          <a:p>
-            <a:endParaRPr lang="en-US"/>
-          </a:p>
-        </p:txBody>
-      </p:sp>
-      <p:sp>
-        <p:nvSpPr>
-          <p:cNvPr id="10" name="Rectangle 3">
-            <a:extLst>
-              <a:ext uri="{FF2B5EF4-FFF2-40B4-BE49-F238E27FC236}">
-                <a16:creationId xmlns:a16="http://schemas.microsoft.com/office/drawing/2014/main" id="{D0B5BB41-6A28-4671-AAEE-13D5346B58BA}"/>
-              </a:ext>
-            </a:extLst>
-          </p:cNvPr>
-          <p:cNvSpPr>
-            <a:spLocks noChangeArrowheads="1"/>
-          </p:cNvSpPr>
-          <p:nvPr/>
-        </p:nvSpPr>
-        <p:spPr bwMode="auto">
-          <a:xfrm>
-            <a:off x="152400" y="152400"/>
-            <a:ext cx="0" cy="0"/>
-          </a:xfrm>
-          <a:prstGeom prst="rect">
-            <a:avLst/>
-          </a:prstGeom>
-          <a:solidFill>
-            <a:srgbClr val="FFFFFF"/>
-          </a:solidFill>
-          <a:ln>
-            <a:noFill/>
-          </a:ln>
-          <a:effectLst/>
-          <a:extLst>
-            <a:ext uri="{91240B29-F687-4F45-9708-019B960494DF}">
-              <a14:hiddenLine xmlns:a14="http://schemas.microsoft.com/office/drawing/2010/main" w="9525">
-                <a:solidFill>
-                  <a:schemeClr val="tx1"/>
-                </a:solidFill>
-                <a:miter lim="800000"/>
-                <a:headEnd/>
-                <a:tailEnd/>
-              </a14:hiddenLine>
-            </a:ext>
-            <a:ext uri="{AF507438-7753-43E0-B8FC-AC1667EBCBE1}">
-              <a14:hiddenEffects xmlns:a14="http://schemas.microsoft.com/office/drawing/2010/main">
-                <a:effectLst>
-                  <a:outerShdw dist="35921" dir="2700000" algn="ctr" rotWithShape="0">
-                    <a:schemeClr val="bg2"/>
-                  </a:outerShdw>
-                </a:effectLst>
-              </a14:hiddenEffects>
-            </a:ext>
-          </a:extLst>
-        </p:spPr>
-        <p:txBody>
-          <a:bodyPr vert="horz" wrap="none" lIns="91440" tIns="45720" rIns="91440" bIns="45720" numCol="1" anchor="ctr" anchorCtr="0" compatLnSpc="1">
-            <a:prstTxWarp prst="textNoShape">
-              <a:avLst/>
-            </a:prstTxWarp>
-            <a:spAutoFit/>
-          </a:bodyPr>
-          <a:lstStyle/>
-          <a:p>
-            <a:pPr marL="0" marR="0" lvl="0" indent="0" algn="l" defTabSz="914400" rtl="0" eaLnBrk="0" fontAlgn="base" latinLnBrk="0" hangingPunct="0">
-              <a:lnSpc>
-                <a:spcPct val="100000"/>
-              </a:lnSpc>
-              <a:spcBef>
-                <a:spcPct val="0"/>
-              </a:spcBef>
-              <a:spcAft>
-                <a:spcPct val="0"/>
-              </a:spcAft>
-              <a:buClrTx/>
-              <a:buSzTx/>
-              <a:buFontTx/>
-              <a:buNone/>
-              <a:tabLst/>
+            <a:endParaRPr lang="en-US" sz="2400" b="1" dirty="0">
+              <a:solidFill>
+                <a:srgbClr val="92D050"/>
+              </a:solidFill>
+            </a:endParaRPr>
+          </a:p>
+          <a:p>
+            <a:pPr marL="342900" indent="-342900" algn="l">
+              <a:buFont typeface="Arial" panose="020B0604020202020204" pitchFamily="34" charset="0"/>
+              <a:buChar char="•"/>
             </a:pPr>
-            <a:br>
-              <a:rPr kumimoji="0" lang="en-US" altLang="en-US" sz="1100" b="0" i="0" u="none" strike="noStrike" cap="none" normalizeH="0" baseline="0">
-                <a:ln>
-                  <a:noFill/>
-                </a:ln>
-                <a:solidFill>
-                  <a:srgbClr val="1D1C1D"/>
-                </a:solidFill>
-                <a:effectLst/>
-                <a:latin typeface="Slack-Lato"/>
+            <a:r>
+              <a:rPr lang="en-US" sz="2400" b="1" dirty="0">
+                <a:solidFill>
+                  <a:srgbClr val="92D050"/>
+                </a:solidFill>
               </a:rPr>
-            </a:br>
-            <a:endParaRPr kumimoji="0" lang="en-US" altLang="en-US" sz="1800" b="0" i="0" u="none" strike="noStrike" cap="none" normalizeH="0" baseline="0">
-              <a:ln>
-                <a:noFill/>
-              </a:ln>
-              <a:solidFill>
-                <a:schemeClr val="tx1"/>
-              </a:solidFill>
-              <a:effectLst/>
-              <a:latin typeface="Arial" panose="020B0604020202020204" pitchFamily="34" charset="0"/>
-            </a:endParaRPr>
+              <a:t>Jesse Neumann</a:t>
+            </a:r>
           </a:p>
         </p:txBody>
       </p:sp>
@@ -20702,8 +20401,8 @@
         </p:nvSpPr>
         <p:spPr bwMode="black">
           <a:xfrm>
-            <a:off x="745587" y="1212033"/>
-            <a:ext cx="10700825" cy="5153934"/>
+            <a:off x="450165" y="1212033"/>
+            <a:ext cx="7166628" cy="5153934"/>
           </a:xfrm>
         </p:spPr>
         <p:txBody>
@@ -20763,17 +20462,6 @@
             </a:r>
           </a:p>
           <a:p>
-            <a:pPr marL="342900" indent="-342900" algn="l">
-              <a:buFont typeface="Arial" panose="020B0604020202020204" pitchFamily="34" charset="0"/>
-              <a:buChar char="•"/>
-            </a:pPr>
-            <a:endParaRPr lang="en-US" sz="2000" dirty="0">
-              <a:solidFill>
-                <a:srgbClr val="FFC000"/>
-              </a:solidFill>
-            </a:endParaRPr>
-          </a:p>
-          <a:p>
             <a:pPr algn="l"/>
             <a:r>
               <a:rPr lang="en-US" sz="2000" b="1" dirty="0">
@@ -20797,21 +20485,21 @@
           </a:p>
           <a:p>
             <a:pPr algn="l"/>
-            <a:endParaRPr lang="en-US" sz="2000" dirty="0">
-              <a:solidFill>
-                <a:srgbClr val="FFC000"/>
-              </a:solidFill>
-            </a:endParaRPr>
-          </a:p>
-          <a:p>
-            <a:pPr algn="l"/>
+            <a:r>
+              <a:rPr lang="en-US" sz="2000" b="1" dirty="0">
+                <a:solidFill>
+                  <a:srgbClr val="FFC000"/>
+                </a:solidFill>
+              </a:rPr>
+              <a:t>In the United States</a:t>
+            </a:r>
             <a:r>
               <a:rPr lang="en-US" sz="2000" dirty="0">
                 <a:solidFill>
                   <a:srgbClr val="FFC000"/>
                 </a:solidFill>
               </a:rPr>
-              <a:t>In the United States, more than 250,000 people have to seek care in a hospital due to pneumonia each year. Unfortunately, about 50,000 people die from the disease each year in the United States. Most of the people affected by pneumonia in the United States are adults.</a:t>
+              <a:t>, more than 250,000 people have to seek care in a hospital due to pneumonia each year. Unfortunately, about 50,000 people die from the disease each year in the United States. Most of the people affected by pneumonia in the United States are adults.</a:t>
             </a:r>
           </a:p>
         </p:txBody>
@@ -20870,6 +20558,53 @@
           </a:p>
         </p:txBody>
       </p:sp>
+      <p:pic>
+        <p:nvPicPr>
+          <p:cNvPr id="6" name="Picture 2">
+            <a:extLst>
+              <a:ext uri="{FF2B5EF4-FFF2-40B4-BE49-F238E27FC236}">
+                <a16:creationId xmlns:a16="http://schemas.microsoft.com/office/drawing/2014/main" id="{38615E6B-DF63-4F25-A287-79D01E2E773A}"/>
+              </a:ext>
+            </a:extLst>
+          </p:cNvPr>
+          <p:cNvPicPr>
+            <a:picLocks noChangeAspect="1" noChangeArrowheads="1"/>
+          </p:cNvPicPr>
+          <p:nvPr/>
+        </p:nvPicPr>
+        <p:blipFill>
+          <a:blip r:embed="rId3">
+            <a:extLst>
+              <a:ext uri="{28A0092B-C50C-407E-A947-70E740481C1C}">
+                <a14:useLocalDpi xmlns:a14="http://schemas.microsoft.com/office/drawing/2010/main" val="0"/>
+              </a:ext>
+            </a:extLst>
+          </a:blip>
+          <a:srcRect/>
+          <a:stretch>
+            <a:fillRect/>
+          </a:stretch>
+        </p:blipFill>
+        <p:spPr bwMode="auto">
+          <a:xfrm>
+            <a:off x="7793501" y="1212033"/>
+            <a:ext cx="4067050" cy="4902028"/>
+          </a:xfrm>
+          <a:prstGeom prst="rect">
+            <a:avLst/>
+          </a:prstGeom>
+          <a:noFill/>
+          <a:extLst>
+            <a:ext uri="{909E8E84-426E-40DD-AFC4-6F175D3DCCD1}">
+              <a14:hiddenFill xmlns:a14="http://schemas.microsoft.com/office/drawing/2010/main">
+                <a:solidFill>
+                  <a:srgbClr val="FFFFFF"/>
+                </a:solidFill>
+              </a14:hiddenFill>
+            </a:ext>
+          </a:extLst>
+        </p:spPr>
+      </p:pic>
     </p:spTree>
     <p:extLst>
       <p:ext uri="{BB962C8B-B14F-4D97-AF65-F5344CB8AC3E}">
@@ -21135,36 +20870,6 @@
           </a:p>
         </p:txBody>
       </p:sp>
-      <p:pic>
-        <p:nvPicPr>
-          <p:cNvPr id="5" name="Picture 4" descr="A picture containing film, indoor, bottle, sitting&#10;&#10;Description automatically generated">
-            <a:extLst>
-              <a:ext uri="{FF2B5EF4-FFF2-40B4-BE49-F238E27FC236}">
-                <a16:creationId xmlns:a16="http://schemas.microsoft.com/office/drawing/2014/main" id="{9EE892D6-1202-442F-BC08-A587A53EEEB3}"/>
-              </a:ext>
-            </a:extLst>
-          </p:cNvPr>
-          <p:cNvPicPr>
-            <a:picLocks/>
-          </p:cNvPicPr>
-          <p:nvPr/>
-        </p:nvPicPr>
-        <p:blipFill>
-          <a:blip r:embed="rId4"/>
-          <a:stretch>
-            <a:fillRect/>
-          </a:stretch>
-        </p:blipFill>
-        <p:spPr>
-          <a:xfrm>
-            <a:off x="2325307" y="3316224"/>
-            <a:ext cx="1137222" cy="2231136"/>
-          </a:xfrm>
-          <a:prstGeom prst="rect">
-            <a:avLst/>
-          </a:prstGeom>
-        </p:spPr>
-      </p:pic>
     </p:spTree>
     <p:extLst>
       <p:ext uri="{BB962C8B-B14F-4D97-AF65-F5344CB8AC3E}">
@@ -21850,8 +21555,8 @@
         </p:nvSpPr>
         <p:spPr>
           <a:xfrm>
-            <a:off x="325794" y="179993"/>
-            <a:ext cx="5085650" cy="812867"/>
+            <a:off x="1309511" y="179993"/>
+            <a:ext cx="5005861" cy="812867"/>
           </a:xfrm>
         </p:spPr>
         <p:txBody>
@@ -21884,108 +21589,145 @@
         </p:nvSpPr>
         <p:spPr>
           <a:xfrm>
-            <a:off x="325794" y="1537718"/>
-            <a:ext cx="5085650" cy="4611861"/>
+            <a:off x="325794" y="1125416"/>
+            <a:ext cx="7411437" cy="5024164"/>
           </a:xfrm>
         </p:spPr>
         <p:txBody>
           <a:bodyPr/>
           <a:lstStyle/>
+          <a:p>
+            <a:pPr algn="l"/>
+            <a:r>
+              <a:rPr lang="en-US" sz="1800" b="1" dirty="0">
+                <a:solidFill>
+                  <a:srgbClr val="FFFF00"/>
+                </a:solidFill>
+              </a:rPr>
+              <a:t>With Training on about 5216 Chest X-Rays: having  </a:t>
+            </a:r>
+            <a:r>
+              <a:rPr lang="fr-FR" sz="1800" b="1" dirty="0">
+                <a:solidFill>
+                  <a:srgbClr val="FFFF00"/>
+                </a:solidFill>
+              </a:rPr>
+              <a:t>Normal Images: 1341 and Pneumonia Images: 3875 and Testing on </a:t>
+            </a:r>
+            <a:r>
+              <a:rPr lang="en-US" sz="1800" b="1" dirty="0">
+                <a:solidFill>
+                  <a:srgbClr val="FFFF00"/>
+                </a:solidFill>
+              </a:rPr>
+              <a:t>Normal Images: 234, Pneumonia Images: 390</a:t>
+            </a:r>
+          </a:p>
+          <a:p>
+            <a:pPr marL="285750" indent="-285750" algn="l">
+              <a:buFont typeface="Arial" panose="020B0604020202020204" pitchFamily="34" charset="0"/>
+              <a:buChar char="•"/>
+            </a:pPr>
+            <a:endParaRPr lang="fr-FR" sz="1800" dirty="0">
+              <a:solidFill>
+                <a:srgbClr val="FFFF00"/>
+              </a:solidFill>
+            </a:endParaRPr>
+          </a:p>
+          <a:p>
+            <a:pPr marL="285750" indent="-285750" algn="l">
+              <a:buFont typeface="Arial" panose="020B0604020202020204" pitchFamily="34" charset="0"/>
+              <a:buChar char="•"/>
+            </a:pPr>
+            <a:r>
+              <a:rPr lang="fr-FR" sz="1800" b="1" dirty="0">
+                <a:solidFill>
+                  <a:srgbClr val="FFFF00"/>
+                </a:solidFill>
+              </a:rPr>
+              <a:t>Our  Model Summary :</a:t>
+            </a:r>
+          </a:p>
+          <a:p>
+            <a:pPr algn="l"/>
+            <a:endParaRPr lang="fr-FR" sz="1800" dirty="0">
+              <a:solidFill>
+                <a:srgbClr val="FFFF00"/>
+              </a:solidFill>
+            </a:endParaRPr>
+          </a:p>
           <a:p>
             <a:pPr marL="342900" indent="-342900" algn="l">
               <a:buFont typeface="Arial" panose="020B0604020202020204" pitchFamily="34" charset="0"/>
               <a:buChar char="•"/>
             </a:pPr>
-            <a:r>
-              <a:rPr lang="en-US" dirty="0">
+            <a:endParaRPr lang="fr-FR" sz="1800" dirty="0">
+              <a:solidFill>
+                <a:srgbClr val="FFFF00"/>
+              </a:solidFill>
+            </a:endParaRPr>
+          </a:p>
+          <a:p>
+            <a:pPr algn="l"/>
+            <a:r>
+              <a:rPr lang="fr-FR" sz="1800" dirty="0">
                 <a:solidFill>
                   <a:srgbClr val="FFFF00"/>
                 </a:solidFill>
               </a:rPr>
-              <a:t>With about 5216 Chest X-Rays:</a:t>
+              <a:t>       </a:t>
             </a:r>
           </a:p>
           <a:p>
             <a:pPr algn="l"/>
-            <a:r>
-              <a:rPr lang="en-US" dirty="0">
+            <a:endParaRPr lang="fr-FR" sz="1800" dirty="0">
+              <a:solidFill>
+                <a:srgbClr val="FFFF00"/>
+              </a:solidFill>
+            </a:endParaRPr>
+          </a:p>
+          <a:p>
+            <a:pPr algn="l"/>
+            <a:endParaRPr lang="fr-FR" sz="1800" dirty="0">
+              <a:solidFill>
+                <a:srgbClr val="FFFF00"/>
+              </a:solidFill>
+            </a:endParaRPr>
+          </a:p>
+          <a:p>
+            <a:pPr algn="l"/>
+            <a:r>
+              <a:rPr lang="fr-FR" sz="1800" dirty="0">
                 <a:solidFill>
                   <a:srgbClr val="FFFF00"/>
                 </a:solidFill>
               </a:rPr>
-              <a:t>          </a:t>
-            </a:r>
-            <a:r>
-              <a:rPr lang="fr-FR" dirty="0">
+              <a:t>     </a:t>
+            </a:r>
+          </a:p>
+          <a:p>
+            <a:pPr algn="l"/>
+            <a:r>
+              <a:rPr lang="fr-FR" sz="1800" dirty="0">
                 <a:solidFill>
                   <a:srgbClr val="FFFF00"/>
                 </a:solidFill>
               </a:rPr>
-              <a:t>normal images: 1341,</a:t>
+              <a:t>        </a:t>
+            </a:r>
+            <a:r>
+              <a:rPr lang="fr-FR" sz="1800" b="1" dirty="0">
+                <a:solidFill>
+                  <a:srgbClr val="FFFF00"/>
+                </a:solidFill>
+              </a:rPr>
+              <a:t>Precision: 91%</a:t>
             </a:r>
           </a:p>
           <a:p>
             <a:pPr algn="l"/>
             <a:r>
-              <a:rPr lang="fr-FR" dirty="0">
-                <a:solidFill>
-                  <a:srgbClr val="FFFF00"/>
-                </a:solidFill>
-              </a:rPr>
-              <a:t>          pneumonia images: 3875</a:t>
-            </a:r>
-          </a:p>
-          <a:p>
-            <a:pPr algn="l"/>
-            <a:r>
-              <a:rPr lang="fr-FR" dirty="0">
-                <a:solidFill>
-                  <a:srgbClr val="FFFF00"/>
-                </a:solidFill>
-              </a:rPr>
-              <a:t> </a:t>
-            </a:r>
-          </a:p>
-          <a:p>
-            <a:pPr marL="342900" indent="-342900" algn="l">
-              <a:buFont typeface="Arial" panose="020B0604020202020204" pitchFamily="34" charset="0"/>
-              <a:buChar char="•"/>
-            </a:pPr>
-            <a:r>
-              <a:rPr lang="fr-FR" dirty="0">
-                <a:solidFill>
-                  <a:srgbClr val="FFFF00"/>
-                </a:solidFill>
-              </a:rPr>
-              <a:t>Our  Model has about :</a:t>
-            </a:r>
-          </a:p>
-          <a:p>
-            <a:pPr algn="l"/>
-            <a:r>
-              <a:rPr lang="fr-FR" dirty="0">
-                <a:solidFill>
-                  <a:srgbClr val="FFFF00"/>
-                </a:solidFill>
-              </a:rPr>
-              <a:t>        Accuracy: 89%   </a:t>
-            </a:r>
-          </a:p>
-          <a:p>
-            <a:pPr algn="l"/>
-            <a:r>
-              <a:rPr lang="fr-FR" dirty="0">
-                <a:solidFill>
-                  <a:srgbClr val="FFFF00"/>
-                </a:solidFill>
-              </a:rPr>
-              <a:t>       Precision: 91%</a:t>
-            </a:r>
-          </a:p>
-          <a:p>
-            <a:pPr algn="l"/>
-            <a:r>
-              <a:rPr lang="fr-FR" dirty="0">
+              <a:rPr lang="fr-FR" sz="1800" b="1" dirty="0">
                 <a:solidFill>
                   <a:srgbClr val="FFFF00"/>
                 </a:solidFill>
@@ -21996,12 +21738,28 @@
           <a:p>
             <a:pPr algn="l"/>
             <a:r>
-              <a:rPr lang="fr-FR" dirty="0">
+              <a:rPr lang="fr-FR" sz="1800" b="1" dirty="0">
                 <a:solidFill>
                   <a:srgbClr val="FFFF00"/>
                 </a:solidFill>
               </a:rPr>
-              <a:t>       For Our model Recall is important.</a:t>
+              <a:t>        For Our model Recall </a:t>
+            </a:r>
+            <a:r>
+              <a:rPr lang="fr-FR" sz="1800" b="1" dirty="0" err="1">
+                <a:solidFill>
+                  <a:srgbClr val="FFFF00"/>
+                </a:solidFill>
+              </a:rPr>
+              <a:t>is</a:t>
+            </a:r>
+            <a:r>
+              <a:rPr lang="fr-FR" sz="1800" b="1" dirty="0">
+                <a:solidFill>
+                  <a:srgbClr val="FFFF00"/>
+                </a:solidFill>
+              </a:rPr>
+              <a:t> more important.</a:t>
             </a:r>
           </a:p>
         </p:txBody>
@@ -22056,12 +21814,947 @@
           </a:p>
         </p:txBody>
       </p:sp>
+      <p:graphicFrame>
+        <p:nvGraphicFramePr>
+          <p:cNvPr id="8" name="Table 8">
+            <a:extLst>
+              <a:ext uri="{FF2B5EF4-FFF2-40B4-BE49-F238E27FC236}">
+                <a16:creationId xmlns:a16="http://schemas.microsoft.com/office/drawing/2014/main" id="{D6CAFB6C-1AA0-48EA-9811-3F6A83BB86FF}"/>
+              </a:ext>
+            </a:extLst>
+          </p:cNvPr>
+          <p:cNvGraphicFramePr>
+            <a:graphicFrameLocks noGrp="1"/>
+          </p:cNvGraphicFramePr>
+          <p:nvPr>
+            <p:extLst>
+              <p:ext uri="{D42A27DB-BD31-4B8C-83A1-F6EECF244321}">
+                <p14:modId xmlns:p14="http://schemas.microsoft.com/office/powerpoint/2010/main" val="138029605"/>
+              </p:ext>
+            </p:extLst>
+          </p:nvPr>
+        </p:nvGraphicFramePr>
+        <p:xfrm>
+          <a:off x="644083" y="2811998"/>
+          <a:ext cx="5671289" cy="1651000"/>
+        </p:xfrm>
+        <a:graphic>
+          <a:graphicData uri="http://schemas.openxmlformats.org/drawingml/2006/table">
+            <a:tbl>
+              <a:tblPr firstRow="1" bandRow="1">
+                <a:tableStyleId>{69012ECD-51FC-41F1-AA8D-1B2483CD663E}</a:tableStyleId>
+              </a:tblPr>
+              <a:tblGrid>
+                <a:gridCol w="1385503">
+                  <a:extLst>
+                    <a:ext uri="{9D8B030D-6E8A-4147-A177-3AD203B41FA5}">
+                      <a16:colId xmlns:a16="http://schemas.microsoft.com/office/drawing/2014/main" val="1691823629"/>
+                    </a:ext>
+                  </a:extLst>
+                </a:gridCol>
+                <a:gridCol w="662491">
+                  <a:extLst>
+                    <a:ext uri="{9D8B030D-6E8A-4147-A177-3AD203B41FA5}">
+                      <a16:colId xmlns:a16="http://schemas.microsoft.com/office/drawing/2014/main" val="1825241087"/>
+                    </a:ext>
+                  </a:extLst>
+                </a:gridCol>
+                <a:gridCol w="1135437">
+                  <a:extLst>
+                    <a:ext uri="{9D8B030D-6E8A-4147-A177-3AD203B41FA5}">
+                      <a16:colId xmlns:a16="http://schemas.microsoft.com/office/drawing/2014/main" val="2656289089"/>
+                    </a:ext>
+                  </a:extLst>
+                </a:gridCol>
+                <a:gridCol w="1251204">
+                  <a:extLst>
+                    <a:ext uri="{9D8B030D-6E8A-4147-A177-3AD203B41FA5}">
+                      <a16:colId xmlns:a16="http://schemas.microsoft.com/office/drawing/2014/main" val="287060128"/>
+                    </a:ext>
+                  </a:extLst>
+                </a:gridCol>
+                <a:gridCol w="1236654">
+                  <a:extLst>
+                    <a:ext uri="{9D8B030D-6E8A-4147-A177-3AD203B41FA5}">
+                      <a16:colId xmlns:a16="http://schemas.microsoft.com/office/drawing/2014/main" val="1052745410"/>
+                    </a:ext>
+                  </a:extLst>
+                </a:gridCol>
+              </a:tblGrid>
+              <a:tr h="370840">
+                <a:tc>
+                  <a:txBody>
+                    <a:bodyPr/>
+                    <a:lstStyle/>
+                    <a:p>
+                      <a:r>
+                        <a:rPr lang="en-US" dirty="0">
+                          <a:solidFill>
+                            <a:schemeClr val="tx1"/>
+                          </a:solidFill>
+                        </a:rPr>
+                        <a:t>Model</a:t>
+                      </a:r>
+                    </a:p>
+                  </a:txBody>
+                  <a:tcPr>
+                    <a:lnL w="12700" cap="flat" cmpd="sng" algn="ctr">
+                      <a:noFill/>
+                      <a:prstDash val="solid"/>
+                      <a:round/>
+                      <a:headEnd type="none" w="med" len="med"/>
+                      <a:tailEnd type="none" w="med" len="med"/>
+                    </a:lnL>
+                    <a:lnR w="12700" cap="flat" cmpd="sng" algn="ctr">
+                      <a:solidFill>
+                        <a:schemeClr val="tx1"/>
+                      </a:solidFill>
+                      <a:prstDash val="solid"/>
+                      <a:round/>
+                      <a:headEnd type="none" w="med" len="med"/>
+                      <a:tailEnd type="none" w="med" len="med"/>
+                    </a:lnR>
+                    <a:lnT w="12700" cap="flat" cmpd="sng" algn="ctr">
+                      <a:noFill/>
+                      <a:prstDash val="solid"/>
+                      <a:round/>
+                      <a:headEnd type="none" w="med" len="med"/>
+                      <a:tailEnd type="none" w="med" len="med"/>
+                    </a:lnT>
+                    <a:lnB w="12700" cap="flat" cmpd="sng" algn="ctr">
+                      <a:solidFill>
+                        <a:schemeClr val="tx1"/>
+                      </a:solidFill>
+                      <a:prstDash val="solid"/>
+                      <a:round/>
+                      <a:headEnd type="none" w="med" len="med"/>
+                      <a:tailEnd type="none" w="med" len="med"/>
+                    </a:lnB>
+                    <a:solidFill>
+                      <a:schemeClr val="accent2">
+                        <a:lumMod val="20000"/>
+                        <a:lumOff val="80000"/>
+                        <a:alpha val="89000"/>
+                      </a:schemeClr>
+                    </a:solidFill>
+                  </a:tcPr>
+                </a:tc>
+                <a:tc>
+                  <a:txBody>
+                    <a:bodyPr/>
+                    <a:lstStyle/>
+                    <a:p>
+                      <a:r>
+                        <a:rPr lang="en-US" dirty="0">
+                          <a:solidFill>
+                            <a:schemeClr val="tx1"/>
+                          </a:solidFill>
+                        </a:rPr>
+                        <a:t>Loss</a:t>
+                      </a:r>
+                    </a:p>
+                  </a:txBody>
+                  <a:tcPr>
+                    <a:lnL w="12700" cap="flat" cmpd="sng" algn="ctr">
+                      <a:solidFill>
+                        <a:schemeClr val="tx1"/>
+                      </a:solidFill>
+                      <a:prstDash val="solid"/>
+                      <a:round/>
+                      <a:headEnd type="none" w="med" len="med"/>
+                      <a:tailEnd type="none" w="med" len="med"/>
+                    </a:lnL>
+                    <a:lnR w="12700" cap="flat" cmpd="sng" algn="ctr">
+                      <a:solidFill>
+                        <a:schemeClr val="tx1"/>
+                      </a:solidFill>
+                      <a:prstDash val="solid"/>
+                      <a:round/>
+                      <a:headEnd type="none" w="med" len="med"/>
+                      <a:tailEnd type="none" w="med" len="med"/>
+                    </a:lnR>
+                    <a:lnT w="12700" cap="flat" cmpd="sng" algn="ctr">
+                      <a:noFill/>
+                      <a:prstDash val="solid"/>
+                      <a:round/>
+                      <a:headEnd type="none" w="med" len="med"/>
+                      <a:tailEnd type="none" w="med" len="med"/>
+                    </a:lnT>
+                    <a:lnB w="12700" cap="flat" cmpd="sng" algn="ctr">
+                      <a:solidFill>
+                        <a:schemeClr val="tx1"/>
+                      </a:solidFill>
+                      <a:prstDash val="solid"/>
+                      <a:round/>
+                      <a:headEnd type="none" w="med" len="med"/>
+                      <a:tailEnd type="none" w="med" len="med"/>
+                    </a:lnB>
+                    <a:solidFill>
+                      <a:schemeClr val="accent2">
+                        <a:lumMod val="20000"/>
+                        <a:lumOff val="80000"/>
+                        <a:alpha val="89000"/>
+                      </a:schemeClr>
+                    </a:solidFill>
+                  </a:tcPr>
+                </a:tc>
+                <a:tc>
+                  <a:txBody>
+                    <a:bodyPr/>
+                    <a:lstStyle/>
+                    <a:p>
+                      <a:r>
+                        <a:rPr lang="en-US" dirty="0">
+                          <a:solidFill>
+                            <a:schemeClr val="tx1"/>
+                          </a:solidFill>
+                        </a:rPr>
+                        <a:t>Accuracy</a:t>
+                      </a:r>
+                    </a:p>
+                  </a:txBody>
+                  <a:tcPr>
+                    <a:lnL w="12700" cap="flat" cmpd="sng" algn="ctr">
+                      <a:solidFill>
+                        <a:schemeClr val="tx1"/>
+                      </a:solidFill>
+                      <a:prstDash val="solid"/>
+                      <a:round/>
+                      <a:headEnd type="none" w="med" len="med"/>
+                      <a:tailEnd type="none" w="med" len="med"/>
+                    </a:lnL>
+                    <a:lnR w="12700" cap="flat" cmpd="sng" algn="ctr">
+                      <a:solidFill>
+                        <a:schemeClr val="tx1"/>
+                      </a:solidFill>
+                      <a:prstDash val="solid"/>
+                      <a:round/>
+                      <a:headEnd type="none" w="med" len="med"/>
+                      <a:tailEnd type="none" w="med" len="med"/>
+                    </a:lnR>
+                    <a:lnT w="12700" cap="flat" cmpd="sng" algn="ctr">
+                      <a:noFill/>
+                      <a:prstDash val="solid"/>
+                      <a:round/>
+                      <a:headEnd type="none" w="med" len="med"/>
+                      <a:tailEnd type="none" w="med" len="med"/>
+                    </a:lnT>
+                    <a:lnB w="12700" cap="flat" cmpd="sng" algn="ctr">
+                      <a:solidFill>
+                        <a:schemeClr val="tx1"/>
+                      </a:solidFill>
+                      <a:prstDash val="solid"/>
+                      <a:round/>
+                      <a:headEnd type="none" w="med" len="med"/>
+                      <a:tailEnd type="none" w="med" len="med"/>
+                    </a:lnB>
+                    <a:solidFill>
+                      <a:schemeClr val="accent2">
+                        <a:lumMod val="20000"/>
+                        <a:lumOff val="80000"/>
+                        <a:alpha val="89000"/>
+                      </a:schemeClr>
+                    </a:solidFill>
+                  </a:tcPr>
+                </a:tc>
+                <a:tc>
+                  <a:txBody>
+                    <a:bodyPr/>
+                    <a:lstStyle/>
+                    <a:p>
+                      <a:r>
+                        <a:rPr lang="en-US" dirty="0">
+                          <a:solidFill>
+                            <a:schemeClr val="tx1"/>
+                          </a:solidFill>
+                        </a:rPr>
+                        <a:t>Validation Loss</a:t>
+                      </a:r>
+                    </a:p>
+                  </a:txBody>
+                  <a:tcPr>
+                    <a:lnL w="12700" cap="flat" cmpd="sng" algn="ctr">
+                      <a:solidFill>
+                        <a:schemeClr val="tx1"/>
+                      </a:solidFill>
+                      <a:prstDash val="solid"/>
+                      <a:round/>
+                      <a:headEnd type="none" w="med" len="med"/>
+                      <a:tailEnd type="none" w="med" len="med"/>
+                    </a:lnL>
+                    <a:lnR w="12700" cap="flat" cmpd="sng" algn="ctr">
+                      <a:solidFill>
+                        <a:schemeClr val="tx1"/>
+                      </a:solidFill>
+                      <a:prstDash val="solid"/>
+                      <a:round/>
+                      <a:headEnd type="none" w="med" len="med"/>
+                      <a:tailEnd type="none" w="med" len="med"/>
+                    </a:lnR>
+                    <a:lnT w="12700" cap="flat" cmpd="sng" algn="ctr">
+                      <a:noFill/>
+                      <a:prstDash val="solid"/>
+                      <a:round/>
+                      <a:headEnd type="none" w="med" len="med"/>
+                      <a:tailEnd type="none" w="med" len="med"/>
+                    </a:lnT>
+                    <a:lnB w="12700" cap="flat" cmpd="sng" algn="ctr">
+                      <a:solidFill>
+                        <a:schemeClr val="tx1"/>
+                      </a:solidFill>
+                      <a:prstDash val="solid"/>
+                      <a:round/>
+                      <a:headEnd type="none" w="med" len="med"/>
+                      <a:tailEnd type="none" w="med" len="med"/>
+                    </a:lnB>
+                    <a:solidFill>
+                      <a:schemeClr val="accent2">
+                        <a:lumMod val="20000"/>
+                        <a:lumOff val="80000"/>
+                        <a:alpha val="89000"/>
+                      </a:schemeClr>
+                    </a:solidFill>
+                  </a:tcPr>
+                </a:tc>
+                <a:tc>
+                  <a:txBody>
+                    <a:bodyPr/>
+                    <a:lstStyle/>
+                    <a:p>
+                      <a:r>
+                        <a:rPr lang="en-US" dirty="0">
+                          <a:solidFill>
+                            <a:schemeClr val="tx1"/>
+                          </a:solidFill>
+                        </a:rPr>
+                        <a:t>Validation Accuracy</a:t>
+                      </a:r>
+                    </a:p>
+                  </a:txBody>
+                  <a:tcPr>
+                    <a:lnL w="12700" cap="flat" cmpd="sng" algn="ctr">
+                      <a:solidFill>
+                        <a:schemeClr val="tx1"/>
+                      </a:solidFill>
+                      <a:prstDash val="solid"/>
+                      <a:round/>
+                      <a:headEnd type="none" w="med" len="med"/>
+                      <a:tailEnd type="none" w="med" len="med"/>
+                    </a:lnL>
+                    <a:lnR w="12700" cap="flat" cmpd="sng" algn="ctr">
+                      <a:noFill/>
+                      <a:prstDash val="solid"/>
+                      <a:round/>
+                      <a:headEnd type="none" w="med" len="med"/>
+                      <a:tailEnd type="none" w="med" len="med"/>
+                    </a:lnR>
+                    <a:lnT w="12700" cap="flat" cmpd="sng" algn="ctr">
+                      <a:noFill/>
+                      <a:prstDash val="solid"/>
+                      <a:round/>
+                      <a:headEnd type="none" w="med" len="med"/>
+                      <a:tailEnd type="none" w="med" len="med"/>
+                    </a:lnT>
+                    <a:lnB w="12700" cap="flat" cmpd="sng" algn="ctr">
+                      <a:solidFill>
+                        <a:schemeClr val="tx1"/>
+                      </a:solidFill>
+                      <a:prstDash val="solid"/>
+                      <a:round/>
+                      <a:headEnd type="none" w="med" len="med"/>
+                      <a:tailEnd type="none" w="med" len="med"/>
+                    </a:lnB>
+                    <a:solidFill>
+                      <a:schemeClr val="accent2">
+                        <a:lumMod val="20000"/>
+                        <a:lumOff val="80000"/>
+                        <a:alpha val="89000"/>
+                      </a:schemeClr>
+                    </a:solidFill>
+                  </a:tcPr>
+                </a:tc>
+                <a:extLst>
+                  <a:ext uri="{0D108BD9-81ED-4DB2-BD59-A6C34878D82A}">
+                    <a16:rowId xmlns:a16="http://schemas.microsoft.com/office/drawing/2014/main" val="4079237078"/>
+                  </a:ext>
+                </a:extLst>
+              </a:tr>
+              <a:tr h="370840">
+                <a:tc>
+                  <a:txBody>
+                    <a:bodyPr/>
+                    <a:lstStyle/>
+                    <a:p>
+                      <a:r>
+                        <a:rPr lang="en-US" b="1" dirty="0"/>
+                        <a:t>Base Model</a:t>
+                      </a:r>
+                    </a:p>
+                  </a:txBody>
+                  <a:tcPr>
+                    <a:lnL w="12700" cap="flat" cmpd="sng" algn="ctr">
+                      <a:noFill/>
+                      <a:prstDash val="solid"/>
+                      <a:round/>
+                      <a:headEnd type="none" w="med" len="med"/>
+                      <a:tailEnd type="none" w="med" len="med"/>
+                    </a:lnL>
+                    <a:lnR w="12700" cap="flat" cmpd="sng" algn="ctr">
+                      <a:solidFill>
+                        <a:schemeClr val="tx1"/>
+                      </a:solidFill>
+                      <a:prstDash val="solid"/>
+                      <a:round/>
+                      <a:headEnd type="none" w="med" len="med"/>
+                      <a:tailEnd type="none" w="med" len="med"/>
+                    </a:lnR>
+                    <a:lnT w="12700" cap="flat" cmpd="sng" algn="ctr">
+                      <a:solidFill>
+                        <a:schemeClr val="tx1"/>
+                      </a:solidFill>
+                      <a:prstDash val="solid"/>
+                      <a:round/>
+                      <a:headEnd type="none" w="med" len="med"/>
+                      <a:tailEnd type="none" w="med" len="med"/>
+                    </a:lnT>
+                    <a:lnB w="12700" cap="flat" cmpd="sng" algn="ctr">
+                      <a:solidFill>
+                        <a:schemeClr val="tx1"/>
+                      </a:solidFill>
+                      <a:prstDash val="solid"/>
+                      <a:round/>
+                      <a:headEnd type="none" w="med" len="med"/>
+                      <a:tailEnd type="none" w="med" len="med"/>
+                    </a:lnB>
+                    <a:solidFill>
+                      <a:schemeClr val="accent2">
+                        <a:lumMod val="20000"/>
+                        <a:lumOff val="80000"/>
+                        <a:alpha val="89000"/>
+                      </a:schemeClr>
+                    </a:solidFill>
+                  </a:tcPr>
+                </a:tc>
+                <a:tc>
+                  <a:txBody>
+                    <a:bodyPr/>
+                    <a:lstStyle/>
+                    <a:p>
+                      <a:r>
+                        <a:rPr lang="en-US" b="1" dirty="0"/>
+                        <a:t>0.27</a:t>
+                      </a:r>
+                    </a:p>
+                  </a:txBody>
+                  <a:tcPr>
+                    <a:lnL w="12700" cap="flat" cmpd="sng" algn="ctr">
+                      <a:solidFill>
+                        <a:schemeClr val="tx1"/>
+                      </a:solidFill>
+                      <a:prstDash val="solid"/>
+                      <a:round/>
+                      <a:headEnd type="none" w="med" len="med"/>
+                      <a:tailEnd type="none" w="med" len="med"/>
+                    </a:lnL>
+                    <a:lnR w="12700" cap="flat" cmpd="sng" algn="ctr">
+                      <a:solidFill>
+                        <a:schemeClr val="tx1"/>
+                      </a:solidFill>
+                      <a:prstDash val="solid"/>
+                      <a:round/>
+                      <a:headEnd type="none" w="med" len="med"/>
+                      <a:tailEnd type="none" w="med" len="med"/>
+                    </a:lnR>
+                    <a:lnT w="12700" cap="flat" cmpd="sng" algn="ctr">
+                      <a:solidFill>
+                        <a:schemeClr val="tx1"/>
+                      </a:solidFill>
+                      <a:prstDash val="solid"/>
+                      <a:round/>
+                      <a:headEnd type="none" w="med" len="med"/>
+                      <a:tailEnd type="none" w="med" len="med"/>
+                    </a:lnT>
+                    <a:lnB w="12700" cap="flat" cmpd="sng" algn="ctr">
+                      <a:solidFill>
+                        <a:schemeClr val="tx1"/>
+                      </a:solidFill>
+                      <a:prstDash val="solid"/>
+                      <a:round/>
+                      <a:headEnd type="none" w="med" len="med"/>
+                      <a:tailEnd type="none" w="med" len="med"/>
+                    </a:lnB>
+                    <a:solidFill>
+                      <a:schemeClr val="accent2">
+                        <a:lumMod val="20000"/>
+                        <a:lumOff val="80000"/>
+                        <a:alpha val="89000"/>
+                      </a:schemeClr>
+                    </a:solidFill>
+                  </a:tcPr>
+                </a:tc>
+                <a:tc>
+                  <a:txBody>
+                    <a:bodyPr/>
+                    <a:lstStyle/>
+                    <a:p>
+                      <a:r>
+                        <a:rPr lang="en-US" b="1" dirty="0"/>
+                        <a:t>0.94</a:t>
+                      </a:r>
+                    </a:p>
+                  </a:txBody>
+                  <a:tcPr>
+                    <a:lnL w="12700" cap="flat" cmpd="sng" algn="ctr">
+                      <a:solidFill>
+                        <a:schemeClr val="tx1"/>
+                      </a:solidFill>
+                      <a:prstDash val="solid"/>
+                      <a:round/>
+                      <a:headEnd type="none" w="med" len="med"/>
+                      <a:tailEnd type="none" w="med" len="med"/>
+                    </a:lnL>
+                    <a:lnR w="12700" cap="flat" cmpd="sng" algn="ctr">
+                      <a:solidFill>
+                        <a:schemeClr val="tx1"/>
+                      </a:solidFill>
+                      <a:prstDash val="solid"/>
+                      <a:round/>
+                      <a:headEnd type="none" w="med" len="med"/>
+                      <a:tailEnd type="none" w="med" len="med"/>
+                    </a:lnR>
+                    <a:lnT w="12700" cap="flat" cmpd="sng" algn="ctr">
+                      <a:solidFill>
+                        <a:schemeClr val="tx1"/>
+                      </a:solidFill>
+                      <a:prstDash val="solid"/>
+                      <a:round/>
+                      <a:headEnd type="none" w="med" len="med"/>
+                      <a:tailEnd type="none" w="med" len="med"/>
+                    </a:lnT>
+                    <a:lnB w="12700" cap="flat" cmpd="sng" algn="ctr">
+                      <a:solidFill>
+                        <a:schemeClr val="tx1"/>
+                      </a:solidFill>
+                      <a:prstDash val="solid"/>
+                      <a:round/>
+                      <a:headEnd type="none" w="med" len="med"/>
+                      <a:tailEnd type="none" w="med" len="med"/>
+                    </a:lnB>
+                    <a:solidFill>
+                      <a:schemeClr val="accent2">
+                        <a:lumMod val="20000"/>
+                        <a:lumOff val="80000"/>
+                        <a:alpha val="89000"/>
+                      </a:schemeClr>
+                    </a:solidFill>
+                  </a:tcPr>
+                </a:tc>
+                <a:tc>
+                  <a:txBody>
+                    <a:bodyPr/>
+                    <a:lstStyle/>
+                    <a:p>
+                      <a:r>
+                        <a:rPr lang="en-US" b="1" dirty="0"/>
+                        <a:t>0.89</a:t>
+                      </a:r>
+                    </a:p>
+                  </a:txBody>
+                  <a:tcPr>
+                    <a:lnL w="12700" cap="flat" cmpd="sng" algn="ctr">
+                      <a:solidFill>
+                        <a:schemeClr val="tx1"/>
+                      </a:solidFill>
+                      <a:prstDash val="solid"/>
+                      <a:round/>
+                      <a:headEnd type="none" w="med" len="med"/>
+                      <a:tailEnd type="none" w="med" len="med"/>
+                    </a:lnL>
+                    <a:lnR w="12700" cap="flat" cmpd="sng" algn="ctr">
+                      <a:solidFill>
+                        <a:schemeClr val="tx1"/>
+                      </a:solidFill>
+                      <a:prstDash val="solid"/>
+                      <a:round/>
+                      <a:headEnd type="none" w="med" len="med"/>
+                      <a:tailEnd type="none" w="med" len="med"/>
+                    </a:lnR>
+                    <a:lnT w="12700" cap="flat" cmpd="sng" algn="ctr">
+                      <a:solidFill>
+                        <a:schemeClr val="tx1"/>
+                      </a:solidFill>
+                      <a:prstDash val="solid"/>
+                      <a:round/>
+                      <a:headEnd type="none" w="med" len="med"/>
+                      <a:tailEnd type="none" w="med" len="med"/>
+                    </a:lnT>
+                    <a:lnB w="12700" cap="flat" cmpd="sng" algn="ctr">
+                      <a:solidFill>
+                        <a:schemeClr val="tx1"/>
+                      </a:solidFill>
+                      <a:prstDash val="solid"/>
+                      <a:round/>
+                      <a:headEnd type="none" w="med" len="med"/>
+                      <a:tailEnd type="none" w="med" len="med"/>
+                    </a:lnB>
+                    <a:solidFill>
+                      <a:schemeClr val="accent2">
+                        <a:lumMod val="20000"/>
+                        <a:lumOff val="80000"/>
+                        <a:alpha val="89000"/>
+                      </a:schemeClr>
+                    </a:solidFill>
+                  </a:tcPr>
+                </a:tc>
+                <a:tc>
+                  <a:txBody>
+                    <a:bodyPr/>
+                    <a:lstStyle/>
+                    <a:p>
+                      <a:r>
+                        <a:rPr lang="en-US" b="1" dirty="0"/>
+                        <a:t>0.73</a:t>
+                      </a:r>
+                    </a:p>
+                  </a:txBody>
+                  <a:tcPr>
+                    <a:lnL w="12700" cap="flat" cmpd="sng" algn="ctr">
+                      <a:solidFill>
+                        <a:schemeClr val="tx1"/>
+                      </a:solidFill>
+                      <a:prstDash val="solid"/>
+                      <a:round/>
+                      <a:headEnd type="none" w="med" len="med"/>
+                      <a:tailEnd type="none" w="med" len="med"/>
+                    </a:lnL>
+                    <a:lnR w="12700" cap="flat" cmpd="sng" algn="ctr">
+                      <a:noFill/>
+                      <a:prstDash val="solid"/>
+                      <a:round/>
+                      <a:headEnd type="none" w="med" len="med"/>
+                      <a:tailEnd type="none" w="med" len="med"/>
+                    </a:lnR>
+                    <a:lnT w="12700" cap="flat" cmpd="sng" algn="ctr">
+                      <a:solidFill>
+                        <a:schemeClr val="tx1"/>
+                      </a:solidFill>
+                      <a:prstDash val="solid"/>
+                      <a:round/>
+                      <a:headEnd type="none" w="med" len="med"/>
+                      <a:tailEnd type="none" w="med" len="med"/>
+                    </a:lnT>
+                    <a:lnB w="12700" cap="flat" cmpd="sng" algn="ctr">
+                      <a:solidFill>
+                        <a:schemeClr val="tx1"/>
+                      </a:solidFill>
+                      <a:prstDash val="solid"/>
+                      <a:round/>
+                      <a:headEnd type="none" w="med" len="med"/>
+                      <a:tailEnd type="none" w="med" len="med"/>
+                    </a:lnB>
+                    <a:solidFill>
+                      <a:schemeClr val="accent2">
+                        <a:lumMod val="20000"/>
+                        <a:lumOff val="80000"/>
+                        <a:alpha val="89000"/>
+                      </a:schemeClr>
+                    </a:solidFill>
+                  </a:tcPr>
+                </a:tc>
+                <a:extLst>
+                  <a:ext uri="{0D108BD9-81ED-4DB2-BD59-A6C34878D82A}">
+                    <a16:rowId xmlns:a16="http://schemas.microsoft.com/office/drawing/2014/main" val="3701375053"/>
+                  </a:ext>
+                </a:extLst>
+              </a:tr>
+              <a:tr h="370840">
+                <a:tc>
+                  <a:txBody>
+                    <a:bodyPr/>
+                    <a:lstStyle/>
+                    <a:p>
+                      <a:r>
+                        <a:rPr lang="en-US" b="1" dirty="0"/>
+                        <a:t>Improved Model</a:t>
+                      </a:r>
+                    </a:p>
+                  </a:txBody>
+                  <a:tcPr>
+                    <a:lnL w="12700" cap="flat" cmpd="sng" algn="ctr">
+                      <a:noFill/>
+                      <a:prstDash val="solid"/>
+                      <a:round/>
+                      <a:headEnd type="none" w="med" len="med"/>
+                      <a:tailEnd type="none" w="med" len="med"/>
+                    </a:lnL>
+                    <a:lnR w="12700" cap="flat" cmpd="sng" algn="ctr">
+                      <a:solidFill>
+                        <a:schemeClr val="tx1"/>
+                      </a:solidFill>
+                      <a:prstDash val="solid"/>
+                      <a:round/>
+                      <a:headEnd type="none" w="med" len="med"/>
+                      <a:tailEnd type="none" w="med" len="med"/>
+                    </a:lnR>
+                    <a:lnT w="12700" cap="flat" cmpd="sng" algn="ctr">
+                      <a:solidFill>
+                        <a:schemeClr val="tx1"/>
+                      </a:solidFill>
+                      <a:prstDash val="solid"/>
+                      <a:round/>
+                      <a:headEnd type="none" w="med" len="med"/>
+                      <a:tailEnd type="none" w="med" len="med"/>
+                    </a:lnT>
+                    <a:lnB w="12700" cap="flat" cmpd="sng" algn="ctr">
+                      <a:noFill/>
+                      <a:prstDash val="solid"/>
+                      <a:round/>
+                      <a:headEnd type="none" w="med" len="med"/>
+                      <a:tailEnd type="none" w="med" len="med"/>
+                    </a:lnB>
+                    <a:solidFill>
+                      <a:schemeClr val="accent2">
+                        <a:lumMod val="20000"/>
+                        <a:lumOff val="80000"/>
+                        <a:alpha val="89000"/>
+                      </a:schemeClr>
+                    </a:solidFill>
+                  </a:tcPr>
+                </a:tc>
+                <a:tc>
+                  <a:txBody>
+                    <a:bodyPr/>
+                    <a:lstStyle/>
+                    <a:p>
+                      <a:r>
+                        <a:rPr lang="en-US" b="1" dirty="0"/>
+                        <a:t>0.21</a:t>
+                      </a:r>
+                    </a:p>
+                  </a:txBody>
+                  <a:tcPr>
+                    <a:lnL w="12700" cap="flat" cmpd="sng" algn="ctr">
+                      <a:solidFill>
+                        <a:schemeClr val="tx1"/>
+                      </a:solidFill>
+                      <a:prstDash val="solid"/>
+                      <a:round/>
+                      <a:headEnd type="none" w="med" len="med"/>
+                      <a:tailEnd type="none" w="med" len="med"/>
+                    </a:lnL>
+                    <a:lnR w="12700" cap="flat" cmpd="sng" algn="ctr">
+                      <a:solidFill>
+                        <a:schemeClr val="tx1"/>
+                      </a:solidFill>
+                      <a:prstDash val="solid"/>
+                      <a:round/>
+                      <a:headEnd type="none" w="med" len="med"/>
+                      <a:tailEnd type="none" w="med" len="med"/>
+                    </a:lnR>
+                    <a:lnT w="12700" cap="flat" cmpd="sng" algn="ctr">
+                      <a:solidFill>
+                        <a:schemeClr val="tx1"/>
+                      </a:solidFill>
+                      <a:prstDash val="solid"/>
+                      <a:round/>
+                      <a:headEnd type="none" w="med" len="med"/>
+                      <a:tailEnd type="none" w="med" len="med"/>
+                    </a:lnT>
+                    <a:lnB w="12700" cap="flat" cmpd="sng" algn="ctr">
+                      <a:noFill/>
+                      <a:prstDash val="solid"/>
+                      <a:round/>
+                      <a:headEnd type="none" w="med" len="med"/>
+                      <a:tailEnd type="none" w="med" len="med"/>
+                    </a:lnB>
+                    <a:solidFill>
+                      <a:schemeClr val="accent2">
+                        <a:lumMod val="20000"/>
+                        <a:lumOff val="80000"/>
+                        <a:alpha val="89000"/>
+                      </a:schemeClr>
+                    </a:solidFill>
+                  </a:tcPr>
+                </a:tc>
+                <a:tc>
+                  <a:txBody>
+                    <a:bodyPr/>
+                    <a:lstStyle/>
+                    <a:p>
+                      <a:r>
+                        <a:rPr lang="en-US" b="1" dirty="0"/>
+                        <a:t>0.92</a:t>
+                      </a:r>
+                    </a:p>
+                  </a:txBody>
+                  <a:tcPr>
+                    <a:lnL w="12700" cap="flat" cmpd="sng" algn="ctr">
+                      <a:solidFill>
+                        <a:schemeClr val="tx1"/>
+                      </a:solidFill>
+                      <a:prstDash val="solid"/>
+                      <a:round/>
+                      <a:headEnd type="none" w="med" len="med"/>
+                      <a:tailEnd type="none" w="med" len="med"/>
+                    </a:lnL>
+                    <a:lnR w="12700" cap="flat" cmpd="sng" algn="ctr">
+                      <a:solidFill>
+                        <a:schemeClr val="tx1"/>
+                      </a:solidFill>
+                      <a:prstDash val="solid"/>
+                      <a:round/>
+                      <a:headEnd type="none" w="med" len="med"/>
+                      <a:tailEnd type="none" w="med" len="med"/>
+                    </a:lnR>
+                    <a:lnT w="12700" cap="flat" cmpd="sng" algn="ctr">
+                      <a:solidFill>
+                        <a:schemeClr val="tx1"/>
+                      </a:solidFill>
+                      <a:prstDash val="solid"/>
+                      <a:round/>
+                      <a:headEnd type="none" w="med" len="med"/>
+                      <a:tailEnd type="none" w="med" len="med"/>
+                    </a:lnT>
+                    <a:lnB w="12700" cap="flat" cmpd="sng" algn="ctr">
+                      <a:noFill/>
+                      <a:prstDash val="solid"/>
+                      <a:round/>
+                      <a:headEnd type="none" w="med" len="med"/>
+                      <a:tailEnd type="none" w="med" len="med"/>
+                    </a:lnB>
+                    <a:solidFill>
+                      <a:schemeClr val="accent2">
+                        <a:lumMod val="20000"/>
+                        <a:lumOff val="80000"/>
+                        <a:alpha val="89000"/>
+                      </a:schemeClr>
+                    </a:solidFill>
+                  </a:tcPr>
+                </a:tc>
+                <a:tc>
+                  <a:txBody>
+                    <a:bodyPr/>
+                    <a:lstStyle/>
+                    <a:p>
+                      <a:r>
+                        <a:rPr lang="en-US" b="1" dirty="0"/>
+                        <a:t>0.29</a:t>
+                      </a:r>
+                    </a:p>
+                  </a:txBody>
+                  <a:tcPr>
+                    <a:lnL w="12700" cap="flat" cmpd="sng" algn="ctr">
+                      <a:solidFill>
+                        <a:schemeClr val="tx1"/>
+                      </a:solidFill>
+                      <a:prstDash val="solid"/>
+                      <a:round/>
+                      <a:headEnd type="none" w="med" len="med"/>
+                      <a:tailEnd type="none" w="med" len="med"/>
+                    </a:lnL>
+                    <a:lnR w="12700" cap="flat" cmpd="sng" algn="ctr">
+                      <a:solidFill>
+                        <a:schemeClr val="tx1"/>
+                      </a:solidFill>
+                      <a:prstDash val="solid"/>
+                      <a:round/>
+                      <a:headEnd type="none" w="med" len="med"/>
+                      <a:tailEnd type="none" w="med" len="med"/>
+                    </a:lnR>
+                    <a:lnT w="12700" cap="flat" cmpd="sng" algn="ctr">
+                      <a:solidFill>
+                        <a:schemeClr val="tx1"/>
+                      </a:solidFill>
+                      <a:prstDash val="solid"/>
+                      <a:round/>
+                      <a:headEnd type="none" w="med" len="med"/>
+                      <a:tailEnd type="none" w="med" len="med"/>
+                    </a:lnT>
+                    <a:lnB w="12700" cap="flat" cmpd="sng" algn="ctr">
+                      <a:noFill/>
+                      <a:prstDash val="solid"/>
+                      <a:round/>
+                      <a:headEnd type="none" w="med" len="med"/>
+                      <a:tailEnd type="none" w="med" len="med"/>
+                    </a:lnB>
+                    <a:solidFill>
+                      <a:schemeClr val="accent2">
+                        <a:lumMod val="20000"/>
+                        <a:lumOff val="80000"/>
+                        <a:alpha val="89000"/>
+                      </a:schemeClr>
+                    </a:solidFill>
+                  </a:tcPr>
+                </a:tc>
+                <a:tc>
+                  <a:txBody>
+                    <a:bodyPr/>
+                    <a:lstStyle/>
+                    <a:p>
+                      <a:r>
+                        <a:rPr lang="en-US" b="1" dirty="0"/>
+                        <a:t>0.89</a:t>
+                      </a:r>
+                    </a:p>
+                  </a:txBody>
+                  <a:tcPr>
+                    <a:lnL w="12700" cap="flat" cmpd="sng" algn="ctr">
+                      <a:solidFill>
+                        <a:schemeClr val="tx1"/>
+                      </a:solidFill>
+                      <a:prstDash val="solid"/>
+                      <a:round/>
+                      <a:headEnd type="none" w="med" len="med"/>
+                      <a:tailEnd type="none" w="med" len="med"/>
+                    </a:lnL>
+                    <a:lnR w="12700" cap="flat" cmpd="sng" algn="ctr">
+                      <a:noFill/>
+                      <a:prstDash val="solid"/>
+                      <a:round/>
+                      <a:headEnd type="none" w="med" len="med"/>
+                      <a:tailEnd type="none" w="med" len="med"/>
+                    </a:lnR>
+                    <a:lnT w="12700" cap="flat" cmpd="sng" algn="ctr">
+                      <a:solidFill>
+                        <a:schemeClr val="tx1"/>
+                      </a:solidFill>
+                      <a:prstDash val="solid"/>
+                      <a:round/>
+                      <a:headEnd type="none" w="med" len="med"/>
+                      <a:tailEnd type="none" w="med" len="med"/>
+                    </a:lnT>
+                    <a:lnB w="12700" cap="flat" cmpd="sng" algn="ctr">
+                      <a:noFill/>
+                      <a:prstDash val="solid"/>
+                      <a:round/>
+                      <a:headEnd type="none" w="med" len="med"/>
+                      <a:tailEnd type="none" w="med" len="med"/>
+                    </a:lnB>
+                    <a:solidFill>
+                      <a:schemeClr val="accent2">
+                        <a:lumMod val="20000"/>
+                        <a:lumOff val="80000"/>
+                        <a:alpha val="89000"/>
+                      </a:schemeClr>
+                    </a:solidFill>
+                  </a:tcPr>
+                </a:tc>
+                <a:extLst>
+                  <a:ext uri="{0D108BD9-81ED-4DB2-BD59-A6C34878D82A}">
+                    <a16:rowId xmlns:a16="http://schemas.microsoft.com/office/drawing/2014/main" val="1500397613"/>
+                  </a:ext>
+                </a:extLst>
+              </a:tr>
+            </a:tbl>
+          </a:graphicData>
+        </a:graphic>
+      </p:graphicFrame>
       <p:pic>
         <p:nvPicPr>
-          <p:cNvPr id="12" name="Picture 11" descr="A picture containing indoor, white, photo, window&#10;&#10;Description automatically generated">
-            <a:extLst>
-              <a:ext uri="{FF2B5EF4-FFF2-40B4-BE49-F238E27FC236}">
-                <a16:creationId xmlns:a16="http://schemas.microsoft.com/office/drawing/2014/main" id="{22CFF20B-066F-43D0-8F51-C461D0CBE5F2}"/>
+          <p:cNvPr id="2" name="Picture 1">
+            <a:extLst>
+              <a:ext uri="{FF2B5EF4-FFF2-40B4-BE49-F238E27FC236}">
+                <a16:creationId xmlns:a16="http://schemas.microsoft.com/office/drawing/2014/main" id="{9818A0DC-B68E-41EA-AA07-A6986EE7BEE1}"/>
               </a:ext>
             </a:extLst>
           </p:cNvPr>
@@ -22078,8 +22771,8 @@
         </p:blipFill>
         <p:spPr>
           <a:xfrm>
-            <a:off x="5078437" y="992860"/>
-            <a:ext cx="6787769" cy="5436467"/>
+            <a:off x="8393143" y="1089794"/>
+            <a:ext cx="3036113" cy="4839286"/>
           </a:xfrm>
           <a:prstGeom prst="rect">
             <a:avLst/>
@@ -22145,7 +22838,7 @@
             <a:pPr algn="ctr"/>
             <a:r>
               <a:rPr lang="en-US" dirty="0"/>
-              <a:t>Validation dataset </a:t>
+              <a:t>Validation Dataset </a:t>
             </a:r>
           </a:p>
         </p:txBody>
@@ -22168,26 +22861,26 @@
         </p:nvSpPr>
         <p:spPr>
           <a:xfrm>
-            <a:off x="4812450" y="4923876"/>
-            <a:ext cx="3222078" cy="1754131"/>
+            <a:off x="2675704" y="4903371"/>
+            <a:ext cx="6229757" cy="1754131"/>
           </a:xfrm>
         </p:spPr>
         <p:txBody>
           <a:bodyPr/>
           <a:lstStyle/>
           <a:p>
-            <a:pPr algn="l"/>
+            <a:pPr algn="ctr"/>
             <a:r>
               <a:rPr lang="fr-FR" dirty="0">
                 <a:solidFill>
                   <a:srgbClr val="FFFF00"/>
                 </a:solidFill>
               </a:rPr>
-              <a:t>Our  Model has about :</a:t>
-            </a:r>
-          </a:p>
-          <a:p>
-            <a:pPr marL="342900" indent="-342900" algn="l">
+              <a:t>Our  Model for the Validation Set has about :</a:t>
+            </a:r>
+          </a:p>
+          <a:p>
+            <a:pPr marL="342900" indent="-342900" algn="ctr">
               <a:buFont typeface="Arial" panose="020B0604020202020204" pitchFamily="34" charset="0"/>
               <a:buChar char="•"/>
             </a:pPr>
@@ -22197,11 +22890,11 @@
                   <a:srgbClr val="FFFF00"/>
                 </a:solidFill>
               </a:rPr>
-              <a:t>        Accuracy: 75%   </a:t>
-            </a:r>
-          </a:p>
-          <a:p>
-            <a:pPr marL="342900" indent="-342900" algn="l">
+              <a:t>   Accuracy: 75%   </a:t>
+            </a:r>
+          </a:p>
+          <a:p>
+            <a:pPr marL="342900" indent="-342900" algn="ctr">
               <a:buFont typeface="Arial" panose="020B0604020202020204" pitchFamily="34" charset="0"/>
               <a:buChar char="•"/>
             </a:pPr>
@@ -22211,11 +22904,11 @@
                   <a:srgbClr val="FFFF00"/>
                 </a:solidFill>
               </a:rPr>
-              <a:t>       Precision: 67%</a:t>
-            </a:r>
-          </a:p>
-          <a:p>
-            <a:pPr marL="342900" indent="-342900" algn="l">
+              <a:t>   Precision: 67%</a:t>
+            </a:r>
+          </a:p>
+          <a:p>
+            <a:pPr marL="342900" indent="-342900" algn="ctr">
               <a:buFont typeface="Arial" panose="020B0604020202020204" pitchFamily="34" charset="0"/>
               <a:buChar char="•"/>
             </a:pPr>
@@ -22225,7 +22918,23 @@
                   <a:srgbClr val="FFFF00"/>
                 </a:solidFill>
               </a:rPr>
-              <a:t>        Recall: 100%</a:t>
+              <a:t> </a:t>
+            </a:r>
+            <a:r>
+              <a:rPr lang="fr-FR" dirty="0" err="1">
+                <a:solidFill>
+                  <a:srgbClr val="FFFF00"/>
+                </a:solidFill>
+              </a:rPr>
+              <a:t>Recall</a:t>
+            </a:r>
+            <a:r>
+              <a:rPr lang="fr-FR" dirty="0">
+                <a:solidFill>
+                  <a:srgbClr val="FFFF00"/>
+                </a:solidFill>
+              </a:rPr>
+              <a:t>: 100%</a:t>
             </a:r>
           </a:p>
         </p:txBody>
@@ -22255,27 +22964,87 @@
           <a:bodyPr/>
           <a:lstStyle/>
           <a:p>
-            <a:r>
-              <a:rPr lang="en-US" noProof="0" dirty="0">
-                <a:solidFill>
-                  <a:schemeClr val="bg1"/>
-                </a:solidFill>
+            <a:pPr marL="0" marR="0" lvl="0" indent="0" algn="ctr" defTabSz="914400" rtl="0" eaLnBrk="1" fontAlgn="auto" latinLnBrk="0" hangingPunct="1">
+              <a:lnSpc>
+                <a:spcPct val="100000"/>
+              </a:lnSpc>
+              <a:spcBef>
+                <a:spcPts val="0"/>
+              </a:spcBef>
+              <a:spcAft>
+                <a:spcPts val="0"/>
+              </a:spcAft>
+              <a:buClrTx/>
+              <a:buSzTx/>
+              <a:buFontTx/>
+              <a:buNone/>
+              <a:tabLst/>
+              <a:defRPr/>
+            </a:pPr>
+            <a:r>
+              <a:rPr kumimoji="0" lang="en-US" sz="1400" b="0" i="0" u="none" strike="noStrike" kern="1200" cap="none" spc="0" normalizeH="0" baseline="0" noProof="0" dirty="0">
+                <a:ln>
+                  <a:noFill/>
+                </a:ln>
+                <a:solidFill>
+                  <a:srgbClr val="FFFFFF"/>
+                </a:solidFill>
+                <a:effectLst/>
+                <a:uLnTx/>
+                <a:uFillTx/>
+                <a:latin typeface="Corbel" panose="020B0503020204020204"/>
+                <a:ea typeface="+mn-ea"/>
+                <a:cs typeface="+mn-cs"/>
               </a:rPr>
               <a:t>page </a:t>
             </a:r>
             <a:fld id="{19B51A1E-902D-48AF-9020-955120F399B6}" type="slidenum">
-              <a:rPr lang="en-US" b="1" i="1" noProof="0" smtClean="0">
-                <a:solidFill>
-                  <a:schemeClr val="bg1"/>
-                </a:solidFill>
+              <a:rPr kumimoji="0" lang="en-US" sz="1400" b="1" i="1" u="none" strike="noStrike" kern="1200" cap="none" spc="0" normalizeH="0" baseline="0" noProof="0" smtClean="0">
+                <a:ln>
+                  <a:noFill/>
+                </a:ln>
+                <a:solidFill>
+                  <a:srgbClr val="FFFFFF"/>
+                </a:solidFill>
+                <a:effectLst/>
+                <a:uLnTx/>
+                <a:uFillTx/>
+                <a:latin typeface="Corbel" panose="020B0503020204020204"/>
+                <a:ea typeface="+mn-ea"/>
+                <a:cs typeface="+mn-cs"/>
               </a:rPr>
-              <a:pPr/>
+              <a:pPr marL="0" marR="0" lvl="0" indent="0" algn="ctr" defTabSz="914400" rtl="0" eaLnBrk="1" fontAlgn="auto" latinLnBrk="0" hangingPunct="1">
+                <a:lnSpc>
+                  <a:spcPct val="100000"/>
+                </a:lnSpc>
+                <a:spcBef>
+                  <a:spcPts val="0"/>
+                </a:spcBef>
+                <a:spcAft>
+                  <a:spcPts val="0"/>
+                </a:spcAft>
+                <a:buClrTx/>
+                <a:buSzTx/>
+                <a:buFontTx/>
+                <a:buNone/>
+                <a:tabLst/>
+                <a:defRPr/>
+              </a:pPr>
               <a:t>7</a:t>
             </a:fld>
-            <a:endParaRPr lang="en-US" b="1" i="1" noProof="0" dirty="0">
+            <a:endParaRPr kumimoji="0" lang="en-US" sz="1400" b="1" i="1" u="none" strike="noStrike" kern="1200" cap="none" spc="0" normalizeH="0" baseline="0" noProof="0" dirty="0">
+              <a:ln>
+                <a:noFill/>
+              </a:ln>
               <a:solidFill>
-                <a:schemeClr val="bg1"/>
+                <a:srgbClr val="FFFFFF"/>
               </a:solidFill>
+              <a:effectLst/>
+              <a:uLnTx/>
+              <a:uFillTx/>
+              <a:latin typeface="Corbel" panose="020B0503020204020204"/>
+              <a:ea typeface="+mn-ea"/>
+              <a:cs typeface="+mn-cs"/>
             </a:endParaRPr>
           </a:p>
         </p:txBody>
@@ -22603,36 +23372,6 @@
           </a:p>
         </p:txBody>
       </p:sp>
-      <p:pic>
-        <p:nvPicPr>
-          <p:cNvPr id="7" name="Picture 6" descr="A picture containing film, indoor, bottle, sitting&#10;&#10;Description automatically generated">
-            <a:extLst>
-              <a:ext uri="{FF2B5EF4-FFF2-40B4-BE49-F238E27FC236}">
-                <a16:creationId xmlns:a16="http://schemas.microsoft.com/office/drawing/2014/main" id="{C96F469D-65BD-44A7-980F-206794AD676A}"/>
-              </a:ext>
-            </a:extLst>
-          </p:cNvPr>
-          <p:cNvPicPr>
-            <a:picLocks/>
-          </p:cNvPicPr>
-          <p:nvPr/>
-        </p:nvPicPr>
-        <p:blipFill>
-          <a:blip r:embed="rId4"/>
-          <a:stretch>
-            <a:fillRect/>
-          </a:stretch>
-        </p:blipFill>
-        <p:spPr>
-          <a:xfrm>
-            <a:off x="2203387" y="3428609"/>
-            <a:ext cx="1137222" cy="2231136"/>
-          </a:xfrm>
-          <a:prstGeom prst="rect">
-            <a:avLst/>
-          </a:prstGeom>
-        </p:spPr>
-      </p:pic>
     </p:spTree>
     <p:extLst>
       <p:ext uri="{BB962C8B-B14F-4D97-AF65-F5344CB8AC3E}">
@@ -22716,7 +23455,7 @@
         </p:nvSpPr>
         <p:spPr bwMode="invGray">
           <a:xfrm rot="5400000">
-            <a:off x="5548442" y="396001"/>
+            <a:off x="5548442" y="438205"/>
             <a:ext cx="6584950" cy="6064435"/>
           </a:xfrm>
           <a:prstGeom prst="rect">
@@ -22819,7 +23558,7 @@
             <a:r>
               <a:rPr lang="en-US" b="1" dirty="0">
                 <a:solidFill>
-                  <a:srgbClr val="FFFF00"/>
+                  <a:srgbClr val="FFC000"/>
                 </a:solidFill>
               </a:rPr>
               <a:t>Incorporate our model to see how it works in hospitals so that it can assist health professionals diagnose patients with Pneumonia. </a:t>
@@ -22830,7 +23569,7 @@
             <a:r>
               <a:rPr lang="en-US" b="1" dirty="0">
                 <a:solidFill>
-                  <a:srgbClr val="FFFF00"/>
+                  <a:srgbClr val="FFC000"/>
                 </a:solidFill>
               </a:rPr>
               <a:t>Of course these reports must be validated. This is not the ultimate test. This needs to be certified by health professionals.</a:t>
@@ -22841,21 +23580,37 @@
             <a:br>
               <a:rPr lang="en-US" b="1" dirty="0">
                 <a:solidFill>
-                  <a:srgbClr val="FFFF00"/>
+                  <a:srgbClr val="FFC000"/>
                 </a:solidFill>
               </a:rPr>
             </a:br>
             <a:r>
               <a:rPr lang="en-US" b="1" dirty="0">
                 <a:solidFill>
-                  <a:srgbClr val="FFFF00"/>
+                  <a:srgbClr val="FFC000"/>
                 </a:solidFill>
               </a:rPr>
-              <a:t>This model should be run under the supervision of a radiologist to enhance accuracy/recall to improve treatment outcomes which will increase hospitals ratings and fundings</a:t>
+              <a:t>This model should be run under the supervision of a radiologist to enhance accuracy/recall to improve treatment outcomes which will increase hospitals ratings and </a:t>
+            </a:r>
+            <a:r>
+              <a:rPr lang="en-US" b="1" dirty="0" err="1">
+                <a:solidFill>
+                  <a:srgbClr val="FFC000"/>
+                </a:solidFill>
+              </a:rPr>
+              <a:t>fundings</a:t>
+            </a:r>
+            <a:r>
+              <a:rPr lang="en-US" b="1" dirty="0">
+                <a:solidFill>
+                  <a:srgbClr val="FFC000"/>
+                </a:solidFill>
+              </a:rPr>
+              <a:t>.</a:t>
             </a:r>
             <a:endParaRPr lang="en-US" dirty="0">
               <a:solidFill>
-                <a:srgbClr val="FFFF00"/>
+                <a:srgbClr val="FFC000"/>
               </a:solidFill>
             </a:endParaRPr>
           </a:p>
@@ -22915,36 +23670,6 @@
           </a:p>
         </p:txBody>
       </p:sp>
-      <p:pic>
-        <p:nvPicPr>
-          <p:cNvPr id="7" name="Picture 6" descr="A picture containing film, indoor, bottle, sitting&#10;&#10;Description automatically generated">
-            <a:extLst>
-              <a:ext uri="{FF2B5EF4-FFF2-40B4-BE49-F238E27FC236}">
-                <a16:creationId xmlns:a16="http://schemas.microsoft.com/office/drawing/2014/main" id="{4759A9AF-73C3-4F44-A268-844035FCE6EC}"/>
-              </a:ext>
-            </a:extLst>
-          </p:cNvPr>
-          <p:cNvPicPr>
-            <a:picLocks/>
-          </p:cNvPicPr>
-          <p:nvPr/>
-        </p:nvPicPr>
-        <p:blipFill>
-          <a:blip r:embed="rId4"/>
-          <a:stretch>
-            <a:fillRect/>
-          </a:stretch>
-        </p:blipFill>
-        <p:spPr>
-          <a:xfrm rot="19857110">
-            <a:off x="1429903" y="1876009"/>
-            <a:ext cx="2063813" cy="1865376"/>
-          </a:xfrm>
-          <a:prstGeom prst="rect">
-            <a:avLst/>
-          </a:prstGeom>
-        </p:spPr>
-      </p:pic>
     </p:spTree>
     <p:extLst>
       <p:ext uri="{BB962C8B-B14F-4D97-AF65-F5344CB8AC3E}">
@@ -23845,11 +24570,12 @@
 </file>
 
 <file path=customXml/item1.xml><?xml version="1.0" encoding="utf-8"?>
-<p:properties xmlns:p="http://schemas.microsoft.com/office/2006/metadata/properties" xmlns:xsi="http://www.w3.org/2001/XMLSchema-instance" xmlns:pc="http://schemas.microsoft.com/office/infopath/2007/PartnerControls">
-  <documentManagement>
-    <MediaServiceKeyPoints xmlns="71af3243-3dd4-4a8d-8c0d-dd76da1f02a5" xsi:nil="true"/>
-  </documentManagement>
-</p:properties>
+<?mso-contentType ?>
+<FormTemplates xmlns="http://schemas.microsoft.com/sharepoint/v3/contenttype/forms">
+  <Display>DocumentLibraryForm</Display>
+  <Edit>DocumentLibraryForm</Edit>
+  <New>DocumentLibraryForm</New>
+</FormTemplates>
 </file>
 
 <file path=customXml/item2.xml><?xml version="1.0" encoding="utf-8"?>
@@ -24064,27 +24790,17 @@
 </file>
 
 <file path=customXml/item3.xml><?xml version="1.0" encoding="utf-8"?>
-<?mso-contentType ?>
-<FormTemplates xmlns="http://schemas.microsoft.com/sharepoint/v3/contenttype/forms">
-  <Display>DocumentLibraryForm</Display>
-  <Edit>DocumentLibraryForm</Edit>
-  <New>DocumentLibraryForm</New>
-</FormTemplates>
+<p:properties xmlns:p="http://schemas.microsoft.com/office/2006/metadata/properties" xmlns:xsi="http://www.w3.org/2001/XMLSchema-instance" xmlns:pc="http://schemas.microsoft.com/office/infopath/2007/PartnerControls">
+  <documentManagement>
+    <MediaServiceKeyPoints xmlns="71af3243-3dd4-4a8d-8c0d-dd76da1f02a5" xsi:nil="true"/>
+  </documentManagement>
+</p:properties>
 </file>
 
 <file path=customXml/itemProps1.xml><?xml version="1.0" encoding="utf-8"?>
-<ds:datastoreItem xmlns:ds="http://schemas.openxmlformats.org/officeDocument/2006/customXml" ds:itemID="{270A2AAC-D70B-4233-9389-268D6896774D}">
+<ds:datastoreItem xmlns:ds="http://schemas.openxmlformats.org/officeDocument/2006/customXml" ds:itemID="{5FFFEA1C-4D28-422A-816B-51B2F61D85DA}">
   <ds:schemaRefs>
-    <ds:schemaRef ds:uri="http://www.w3.org/XML/1998/namespace"/>
-    <ds:schemaRef ds:uri="http://schemas.microsoft.com/office/2006/documentManagement/types"/>
-    <ds:schemaRef ds:uri="http://purl.org/dc/terms/"/>
-    <ds:schemaRef ds:uri="71af3243-3dd4-4a8d-8c0d-dd76da1f02a5"/>
-    <ds:schemaRef ds:uri="http://schemas.openxmlformats.org/package/2006/metadata/core-properties"/>
-    <ds:schemaRef ds:uri="http://purl.org/dc/elements/1.1/"/>
-    <ds:schemaRef ds:uri="http://schemas.microsoft.com/office/infopath/2007/PartnerControls"/>
-    <ds:schemaRef ds:uri="16c05727-aa75-4e4a-9b5f-8a80a1165891"/>
-    <ds:schemaRef ds:uri="http://schemas.microsoft.com/office/2006/metadata/properties"/>
-    <ds:schemaRef ds:uri="http://purl.org/dc/dcmitype/"/>
+    <ds:schemaRef ds:uri="http://schemas.microsoft.com/sharepoint/v3/contenttype/forms"/>
   </ds:schemaRefs>
 </ds:datastoreItem>
 </file>
@@ -24109,9 +24825,18 @@
 </file>
 
 <file path=customXml/itemProps3.xml><?xml version="1.0" encoding="utf-8"?>
-<ds:datastoreItem xmlns:ds="http://schemas.openxmlformats.org/officeDocument/2006/customXml" ds:itemID="{5FFFEA1C-4D28-422A-816B-51B2F61D85DA}">
+<ds:datastoreItem xmlns:ds="http://schemas.openxmlformats.org/officeDocument/2006/customXml" ds:itemID="{270A2AAC-D70B-4233-9389-268D6896774D}">
   <ds:schemaRefs>
-    <ds:schemaRef ds:uri="http://schemas.microsoft.com/sharepoint/v3/contenttype/forms"/>
+    <ds:schemaRef ds:uri="http://purl.org/dc/elements/1.1/"/>
+    <ds:schemaRef ds:uri="http://schemas.microsoft.com/office/2006/metadata/properties"/>
+    <ds:schemaRef ds:uri="http://schemas.microsoft.com/office/2006/documentManagement/types"/>
+    <ds:schemaRef ds:uri="http://purl.org/dc/terms/"/>
+    <ds:schemaRef ds:uri="http://schemas.openxmlformats.org/package/2006/metadata/core-properties"/>
+    <ds:schemaRef ds:uri="16c05727-aa75-4e4a-9b5f-8a80a1165891"/>
+    <ds:schemaRef ds:uri="http://purl.org/dc/dcmitype/"/>
+    <ds:schemaRef ds:uri="http://schemas.microsoft.com/office/infopath/2007/PartnerControls"/>
+    <ds:schemaRef ds:uri="71af3243-3dd4-4a8d-8c0d-dd76da1f02a5"/>
+    <ds:schemaRef ds:uri="http://www.w3.org/XML/1998/namespace"/>
   </ds:schemaRefs>
 </ds:datastoreItem>
 </file>